--- a/MetodoHungaro.pptx
+++ b/MetodoHungaro.pptx
@@ -6,12 +6,25 @@
   </p:sldMasterIdLst>
   <p:sldIdLst>
     <p:sldId id="256" r:id="rId2"/>
-    <p:sldId id="257" r:id="rId3"/>
-    <p:sldId id="258" r:id="rId4"/>
-    <p:sldId id="259" r:id="rId5"/>
-    <p:sldId id="260" r:id="rId6"/>
-    <p:sldId id="261" r:id="rId7"/>
-    <p:sldId id="262" r:id="rId8"/>
+    <p:sldId id="263" r:id="rId3"/>
+    <p:sldId id="257" r:id="rId4"/>
+    <p:sldId id="258" r:id="rId5"/>
+    <p:sldId id="259" r:id="rId6"/>
+    <p:sldId id="260" r:id="rId7"/>
+    <p:sldId id="261" r:id="rId8"/>
+    <p:sldId id="265" r:id="rId9"/>
+    <p:sldId id="276" r:id="rId10"/>
+    <p:sldId id="266" r:id="rId11"/>
+    <p:sldId id="267" r:id="rId12"/>
+    <p:sldId id="268" r:id="rId13"/>
+    <p:sldId id="269" r:id="rId14"/>
+    <p:sldId id="270" r:id="rId15"/>
+    <p:sldId id="271" r:id="rId16"/>
+    <p:sldId id="272" r:id="rId17"/>
+    <p:sldId id="273" r:id="rId18"/>
+    <p:sldId id="274" r:id="rId19"/>
+    <p:sldId id="275" r:id="rId20"/>
+    <p:sldId id="262" r:id="rId21"/>
   </p:sldIdLst>
   <p:sldSz cx="12192000" cy="6858000"/>
   <p:notesSz cx="6858000" cy="9144000"/>
@@ -110,6 +123,11 @@
       </a:defRPr>
     </a:lvl9pPr>
   </p:defaultTextStyle>
+  <p:extLst>
+    <p:ext uri="{EFAFB233-063F-42B5-8137-9DF3F51BA10A}">
+      <p15:sldGuideLst xmlns:p15="http://schemas.microsoft.com/office/powerpoint/2012/main"/>
+    </p:ext>
+  </p:extLst>
 </p:presentation>
 </file>
 
@@ -481,7 +499,7 @@
             <a:fld id="{3C633830-2244-49AE-BC4A-47F415C177C6}" type="datetimeFigureOut">
               <a:rPr lang="en-US" smtClean="0"/>
               <a:pPr/>
-              <a:t>6/30/17</a:t>
+              <a:t>7/6/17</a:t>
             </a:fld>
             <a:endParaRPr lang="en-US" dirty="0"/>
           </a:p>
@@ -729,7 +747,7 @@
           <a:p>
             <a:fld id="{3C633830-2244-49AE-BC4A-47F415C177C6}" type="datetimeFigureOut">
               <a:rPr lang="en-US" smtClean="0"/>
-              <a:t>6/30/17</a:t>
+              <a:t>7/6/17</a:t>
             </a:fld>
             <a:endParaRPr lang="en-US" dirty="0"/>
           </a:p>
@@ -1115,7 +1133,7 @@
           <a:p>
             <a:fld id="{3C633830-2244-49AE-BC4A-47F415C177C6}" type="datetimeFigureOut">
               <a:rPr lang="en-US" smtClean="0"/>
-              <a:t>6/30/17</a:t>
+              <a:t>7/6/17</a:t>
             </a:fld>
             <a:endParaRPr lang="en-US" dirty="0"/>
           </a:p>
@@ -1344,7 +1362,7 @@
           <a:p>
             <a:fld id="{3C633830-2244-49AE-BC4A-47F415C177C6}" type="datetimeFigureOut">
               <a:rPr lang="en-US" smtClean="0"/>
-              <a:t>6/30/17</a:t>
+              <a:t>7/6/17</a:t>
             </a:fld>
             <a:endParaRPr lang="en-US" dirty="0"/>
           </a:p>
@@ -1836,7 +1854,7 @@
             <a:fld id="{3C633830-2244-49AE-BC4A-47F415C177C6}" type="datetimeFigureOut">
               <a:rPr lang="en-US" smtClean="0"/>
               <a:pPr/>
-              <a:t>6/30/17</a:t>
+              <a:t>7/6/17</a:t>
             </a:fld>
             <a:endParaRPr lang="en-US" dirty="0"/>
           </a:p>
@@ -2147,7 +2165,7 @@
           <a:p>
             <a:fld id="{3C633830-2244-49AE-BC4A-47F415C177C6}" type="datetimeFigureOut">
               <a:rPr lang="en-US" smtClean="0"/>
-              <a:t>6/30/17</a:t>
+              <a:t>7/6/17</a:t>
             </a:fld>
             <a:endParaRPr lang="en-US" dirty="0"/>
           </a:p>
@@ -2543,7 +2561,7 @@
           <a:p>
             <a:fld id="{3C633830-2244-49AE-BC4A-47F415C177C6}" type="datetimeFigureOut">
               <a:rPr lang="en-US" smtClean="0"/>
-              <a:t>6/30/17</a:t>
+              <a:t>7/6/17</a:t>
             </a:fld>
             <a:endParaRPr lang="en-US" dirty="0"/>
           </a:p>
@@ -2666,7 +2684,7 @@
           <a:p>
             <a:fld id="{3C633830-2244-49AE-BC4A-47F415C177C6}" type="datetimeFigureOut">
               <a:rPr lang="en-US" smtClean="0"/>
-              <a:t>6/30/17</a:t>
+              <a:t>7/6/17</a:t>
             </a:fld>
             <a:endParaRPr lang="en-US" dirty="0"/>
           </a:p>
@@ -2761,7 +2779,7 @@
           <a:p>
             <a:fld id="{3C633830-2244-49AE-BC4A-47F415C177C6}" type="datetimeFigureOut">
               <a:rPr lang="en-US" smtClean="0"/>
-              <a:t>6/30/17</a:t>
+              <a:t>7/6/17</a:t>
             </a:fld>
             <a:endParaRPr lang="en-US" dirty="0"/>
           </a:p>
@@ -3061,7 +3079,7 @@
           <a:p>
             <a:fld id="{3C633830-2244-49AE-BC4A-47F415C177C6}" type="datetimeFigureOut">
               <a:rPr lang="en-US" smtClean="0"/>
-              <a:t>6/30/17</a:t>
+              <a:t>7/6/17</a:t>
             </a:fld>
             <a:endParaRPr lang="en-US" dirty="0"/>
           </a:p>
@@ -3331,7 +3349,7 @@
           <a:p>
             <a:fld id="{3C633830-2244-49AE-BC4A-47F415C177C6}" type="datetimeFigureOut">
               <a:rPr lang="en-US" smtClean="0"/>
-              <a:t>6/30/17</a:t>
+              <a:t>7/6/17</a:t>
             </a:fld>
             <a:endParaRPr lang="en-US" dirty="0"/>
           </a:p>
@@ -3750,7 +3768,7 @@
             <a:fld id="{3C633830-2244-49AE-BC4A-47F415C177C6}" type="datetimeFigureOut">
               <a:rPr lang="en-US" smtClean="0"/>
               <a:pPr/>
-              <a:t>6/30/17</a:t>
+              <a:t>7/6/17</a:t>
             </a:fld>
             <a:endParaRPr lang="en-US" dirty="0"/>
           </a:p>
@@ -4273,11 +4291,7 @@
           <a:p>
             <a:r>
               <a:rPr lang="pt-BR" dirty="0" smtClean="0"/>
-              <a:t>Alocaç</a:t>
-            </a:r>
-            <a:r>
-              <a:rPr lang="pt-BR" dirty="0" smtClean="0"/>
-              <a:t>ão de tarefas</a:t>
+              <a:t>Alocação de tarefas</a:t>
             </a:r>
             <a:endParaRPr lang="pt-BR" dirty="0"/>
           </a:p>
@@ -4376,6 +4390,1457 @@
     <p:extLst>
       <p:ext uri="{BB962C8B-B14F-4D97-AF65-F5344CB8AC3E}">
         <p14:creationId xmlns:p14="http://schemas.microsoft.com/office/powerpoint/2010/main" val="1804289383"/>
+      </p:ext>
+    </p:extLst>
+  </p:cSld>
+  <p:clrMapOvr>
+    <a:masterClrMapping/>
+  </p:clrMapOvr>
+  <p:timing>
+    <p:tnLst>
+      <p:par>
+        <p:cTn id="1" dur="indefinite" restart="never" nodeType="tmRoot"/>
+      </p:par>
+    </p:tnLst>
+  </p:timing>
+</p:sld>
+</file>
+
+<file path=ppt/slides/slide10.xml><?xml version="1.0" encoding="utf-8"?>
+<p:sld xmlns:a="http://schemas.openxmlformats.org/drawingml/2006/main" xmlns:r="http://schemas.openxmlformats.org/officeDocument/2006/relationships" xmlns:p="http://schemas.openxmlformats.org/presentationml/2006/main">
+  <p:cSld>
+    <p:spTree>
+      <p:nvGrpSpPr>
+        <p:cNvPr id="1" name=""/>
+        <p:cNvGrpSpPr/>
+        <p:nvPr/>
+      </p:nvGrpSpPr>
+      <p:grpSpPr>
+        <a:xfrm>
+          <a:off x="0" y="0"/>
+          <a:ext cx="0" cy="0"/>
+          <a:chOff x="0" y="0"/>
+          <a:chExt cx="0" cy="0"/>
+        </a:xfrm>
+      </p:grpSpPr>
+      <p:sp>
+        <p:nvSpPr>
+          <p:cNvPr id="2" name="Título 1"/>
+          <p:cNvSpPr>
+            <a:spLocks noGrp="1"/>
+          </p:cNvSpPr>
+          <p:nvPr>
+            <p:ph type="title"/>
+          </p:nvPr>
+        </p:nvSpPr>
+        <p:spPr>
+          <a:xfrm>
+            <a:off x="697832" y="2597025"/>
+            <a:ext cx="3833906" cy="4952492"/>
+          </a:xfrm>
+        </p:spPr>
+        <p:txBody>
+          <a:bodyPr/>
+          <a:lstStyle/>
+          <a:p>
+            <a:pPr algn="l"/>
+            <a:r>
+              <a:rPr lang="pt-BR" dirty="0" smtClean="0"/>
+              <a:t>Passo </a:t>
+            </a:r>
+            <a:r>
+              <a:rPr lang="pt-BR" smtClean="0"/>
+              <a:t>a passo</a:t>
+            </a:r>
+            <a:endParaRPr lang="pt-BR"/>
+          </a:p>
+        </p:txBody>
+      </p:sp>
+      <p:pic>
+        <p:nvPicPr>
+          <p:cNvPr id="4" name="Espaço Reservado para Conteúdo 3"/>
+          <p:cNvPicPr>
+            <a:picLocks noGrp="1" noChangeAspect="1"/>
+          </p:cNvPicPr>
+          <p:nvPr>
+            <p:ph idx="1"/>
+          </p:nvPr>
+        </p:nvPicPr>
+        <p:blipFill>
+          <a:blip r:embed="rId2"/>
+          <a:stretch>
+            <a:fillRect/>
+          </a:stretch>
+        </p:blipFill>
+        <p:spPr>
+          <a:xfrm>
+            <a:off x="6441811" y="607803"/>
+            <a:ext cx="2489200" cy="1117600"/>
+          </a:xfrm>
+          <a:prstGeom prst="rect">
+            <a:avLst/>
+          </a:prstGeom>
+        </p:spPr>
+      </p:pic>
+      <p:sp>
+        <p:nvSpPr>
+          <p:cNvPr id="5" name="CaixaDeTexto 4"/>
+          <p:cNvSpPr txBox="1"/>
+          <p:nvPr/>
+        </p:nvSpPr>
+        <p:spPr>
+          <a:xfrm>
+            <a:off x="3580063" y="2227693"/>
+            <a:ext cx="8212697" cy="369332"/>
+          </a:xfrm>
+          <a:prstGeom prst="rect">
+            <a:avLst/>
+          </a:prstGeom>
+          <a:noFill/>
+        </p:spPr>
+        <p:txBody>
+          <a:bodyPr wrap="none" rtlCol="0">
+            <a:spAutoFit/>
+          </a:bodyPr>
+          <a:lstStyle/>
+          <a:p>
+            <a:r>
+              <a:rPr lang="pt-BR" dirty="0"/>
+              <a:t>Passo 1: Subtraímos 75 da primeira linha, 35 da segunda, 90 da terceira, 45 da </a:t>
+            </a:r>
+            <a:r>
+              <a:rPr lang="pt-BR" dirty="0" smtClean="0"/>
+              <a:t>quarta:</a:t>
+            </a:r>
+            <a:endParaRPr lang="pt-BR" dirty="0"/>
+          </a:p>
+        </p:txBody>
+      </p:sp>
+      <p:pic>
+        <p:nvPicPr>
+          <p:cNvPr id="3" name="Imagem 2"/>
+          <p:cNvPicPr>
+            <a:picLocks noChangeAspect="1"/>
+          </p:cNvPicPr>
+          <p:nvPr/>
+        </p:nvPicPr>
+        <p:blipFill>
+          <a:blip r:embed="rId3"/>
+          <a:stretch>
+            <a:fillRect/>
+          </a:stretch>
+        </p:blipFill>
+        <p:spPr>
+          <a:xfrm>
+            <a:off x="6441811" y="2938893"/>
+            <a:ext cx="2489200" cy="1306830"/>
+          </a:xfrm>
+          <a:prstGeom prst="rect">
+            <a:avLst/>
+          </a:prstGeom>
+        </p:spPr>
+      </p:pic>
+    </p:spTree>
+    <p:extLst>
+      <p:ext uri="{BB962C8B-B14F-4D97-AF65-F5344CB8AC3E}">
+        <p14:creationId xmlns:p14="http://schemas.microsoft.com/office/powerpoint/2010/main" val="889023311"/>
+      </p:ext>
+    </p:extLst>
+  </p:cSld>
+  <p:clrMapOvr>
+    <a:masterClrMapping/>
+  </p:clrMapOvr>
+  <p:timing>
+    <p:tnLst>
+      <p:par>
+        <p:cTn id="1" dur="indefinite" restart="never" nodeType="tmRoot"/>
+      </p:par>
+    </p:tnLst>
+  </p:timing>
+</p:sld>
+</file>
+
+<file path=ppt/slides/slide11.xml><?xml version="1.0" encoding="utf-8"?>
+<p:sld xmlns:a="http://schemas.openxmlformats.org/drawingml/2006/main" xmlns:r="http://schemas.openxmlformats.org/officeDocument/2006/relationships" xmlns:p="http://schemas.openxmlformats.org/presentationml/2006/main">
+  <p:cSld>
+    <p:spTree>
+      <p:nvGrpSpPr>
+        <p:cNvPr id="1" name=""/>
+        <p:cNvGrpSpPr/>
+        <p:nvPr/>
+      </p:nvGrpSpPr>
+      <p:grpSpPr>
+        <a:xfrm>
+          <a:off x="0" y="0"/>
+          <a:ext cx="0" cy="0"/>
+          <a:chOff x="0" y="0"/>
+          <a:chExt cx="0" cy="0"/>
+        </a:xfrm>
+      </p:grpSpPr>
+      <p:sp>
+        <p:nvSpPr>
+          <p:cNvPr id="2" name="Título 1"/>
+          <p:cNvSpPr>
+            <a:spLocks noGrp="1"/>
+          </p:cNvSpPr>
+          <p:nvPr>
+            <p:ph type="title"/>
+          </p:nvPr>
+        </p:nvSpPr>
+        <p:spPr>
+          <a:xfrm>
+            <a:off x="697832" y="2597025"/>
+            <a:ext cx="3833906" cy="4952492"/>
+          </a:xfrm>
+        </p:spPr>
+        <p:txBody>
+          <a:bodyPr/>
+          <a:lstStyle/>
+          <a:p>
+            <a:pPr algn="l"/>
+            <a:r>
+              <a:rPr lang="pt-BR" dirty="0" smtClean="0"/>
+              <a:t>Passo a passo</a:t>
+            </a:r>
+            <a:endParaRPr lang="pt-BR" dirty="0"/>
+          </a:p>
+        </p:txBody>
+      </p:sp>
+      <p:sp>
+        <p:nvSpPr>
+          <p:cNvPr id="5" name="CaixaDeTexto 4"/>
+          <p:cNvSpPr txBox="1"/>
+          <p:nvPr/>
+        </p:nvSpPr>
+        <p:spPr>
+          <a:xfrm>
+            <a:off x="4943641" y="869993"/>
+            <a:ext cx="5472652" cy="646331"/>
+          </a:xfrm>
+          <a:prstGeom prst="rect">
+            <a:avLst/>
+          </a:prstGeom>
+          <a:noFill/>
+        </p:spPr>
+        <p:txBody>
+          <a:bodyPr wrap="none" rtlCol="0">
+            <a:spAutoFit/>
+          </a:bodyPr>
+          <a:lstStyle/>
+          <a:p>
+            <a:r>
+              <a:rPr lang="pt-BR"/>
+              <a:t>Passo 2: As três primeiras colunas já têm entradas zero</a:t>
+            </a:r>
+            <a:r>
+              <a:rPr lang="pt-BR"/>
+              <a:t>; </a:t>
+            </a:r>
+            <a:endParaRPr lang="pt-BR" smtClean="0"/>
+          </a:p>
+          <a:p>
+            <a:r>
+              <a:rPr lang="pt-BR" dirty="0" smtClean="0"/>
+              <a:t>portanto</a:t>
+            </a:r>
+            <a:r>
+              <a:rPr lang="pt-BR" dirty="0"/>
+              <a:t>, basta subtrair 5 da quarta coluna.</a:t>
+            </a:r>
+          </a:p>
+        </p:txBody>
+      </p:sp>
+      <p:pic>
+        <p:nvPicPr>
+          <p:cNvPr id="7" name="Imagem 6"/>
+          <p:cNvPicPr>
+            <a:picLocks noChangeAspect="1"/>
+          </p:cNvPicPr>
+          <p:nvPr/>
+        </p:nvPicPr>
+        <p:blipFill>
+          <a:blip r:embed="rId2"/>
+          <a:stretch>
+            <a:fillRect/>
+          </a:stretch>
+        </p:blipFill>
+        <p:spPr>
+          <a:xfrm>
+            <a:off x="5854223" y="2597025"/>
+            <a:ext cx="3651488" cy="1917031"/>
+          </a:xfrm>
+          <a:prstGeom prst="rect">
+            <a:avLst/>
+          </a:prstGeom>
+        </p:spPr>
+      </p:pic>
+    </p:spTree>
+    <p:extLst>
+      <p:ext uri="{BB962C8B-B14F-4D97-AF65-F5344CB8AC3E}">
+        <p14:creationId xmlns:p14="http://schemas.microsoft.com/office/powerpoint/2010/main" val="1308044878"/>
+      </p:ext>
+    </p:extLst>
+  </p:cSld>
+  <p:clrMapOvr>
+    <a:masterClrMapping/>
+  </p:clrMapOvr>
+  <p:timing>
+    <p:tnLst>
+      <p:par>
+        <p:cTn id="1" dur="indefinite" restart="never" nodeType="tmRoot"/>
+      </p:par>
+    </p:tnLst>
+  </p:timing>
+</p:sld>
+</file>
+
+<file path=ppt/slides/slide12.xml><?xml version="1.0" encoding="utf-8"?>
+<p:sld xmlns:a="http://schemas.openxmlformats.org/drawingml/2006/main" xmlns:r="http://schemas.openxmlformats.org/officeDocument/2006/relationships" xmlns:p="http://schemas.openxmlformats.org/presentationml/2006/main">
+  <p:cSld>
+    <p:spTree>
+      <p:nvGrpSpPr>
+        <p:cNvPr id="1" name=""/>
+        <p:cNvGrpSpPr/>
+        <p:nvPr/>
+      </p:nvGrpSpPr>
+      <p:grpSpPr>
+        <a:xfrm>
+          <a:off x="0" y="0"/>
+          <a:ext cx="0" cy="0"/>
+          <a:chOff x="0" y="0"/>
+          <a:chExt cx="0" cy="0"/>
+        </a:xfrm>
+      </p:grpSpPr>
+      <p:sp>
+        <p:nvSpPr>
+          <p:cNvPr id="2" name="Título 1"/>
+          <p:cNvSpPr>
+            <a:spLocks noGrp="1"/>
+          </p:cNvSpPr>
+          <p:nvPr>
+            <p:ph type="title"/>
+          </p:nvPr>
+        </p:nvSpPr>
+        <p:spPr>
+          <a:xfrm>
+            <a:off x="697832" y="2597025"/>
+            <a:ext cx="3833906" cy="4952492"/>
+          </a:xfrm>
+        </p:spPr>
+        <p:txBody>
+          <a:bodyPr/>
+          <a:lstStyle/>
+          <a:p>
+            <a:pPr algn="l"/>
+            <a:r>
+              <a:rPr lang="pt-BR" dirty="0" smtClean="0"/>
+              <a:t>Passo a passo</a:t>
+            </a:r>
+            <a:endParaRPr lang="pt-BR" dirty="0"/>
+          </a:p>
+        </p:txBody>
+      </p:sp>
+      <p:sp>
+        <p:nvSpPr>
+          <p:cNvPr id="5" name="CaixaDeTexto 4"/>
+          <p:cNvSpPr txBox="1"/>
+          <p:nvPr/>
+        </p:nvSpPr>
+        <p:spPr>
+          <a:xfrm>
+            <a:off x="4943641" y="869993"/>
+            <a:ext cx="7176965" cy="923330"/>
+          </a:xfrm>
+          <a:prstGeom prst="rect">
+            <a:avLst/>
+          </a:prstGeom>
+          <a:noFill/>
+        </p:spPr>
+        <p:txBody>
+          <a:bodyPr wrap="none" rtlCol="0">
+            <a:spAutoFit/>
+          </a:bodyPr>
+          <a:lstStyle/>
+          <a:p>
+            <a:r>
+              <a:rPr lang="pt-BR" dirty="0"/>
+              <a:t>Passo 3: Riscamos as entradas zero da matriz com um número mínimo de </a:t>
+            </a:r>
+            <a:endParaRPr lang="pt-BR" dirty="0" smtClean="0"/>
+          </a:p>
+          <a:p>
+            <a:r>
+              <a:rPr lang="pt-BR" dirty="0" smtClean="0"/>
+              <a:t>traços </a:t>
+            </a:r>
+            <a:r>
+              <a:rPr lang="pt-BR" dirty="0"/>
+              <a:t>horizontais e verticais. </a:t>
+            </a:r>
+            <a:r>
+              <a:rPr lang="pt-BR" dirty="0" smtClean="0"/>
+              <a:t>Riscamos </a:t>
+            </a:r>
+            <a:r>
+              <a:rPr lang="pt-BR" dirty="0"/>
+              <a:t>a primeira linha</a:t>
+            </a:r>
+            <a:r>
+              <a:rPr lang="pt-BR" dirty="0" smtClean="0"/>
+              <a:t>,</a:t>
+            </a:r>
+          </a:p>
+          <a:p>
+            <a:r>
+              <a:rPr lang="pt-BR" dirty="0" smtClean="0"/>
+              <a:t> </a:t>
+            </a:r>
+            <a:r>
+              <a:rPr lang="pt-BR" dirty="0"/>
+              <a:t>a terceira linha e a primeira coluna.</a:t>
+            </a:r>
+          </a:p>
+        </p:txBody>
+      </p:sp>
+      <p:pic>
+        <p:nvPicPr>
+          <p:cNvPr id="3" name="Imagem 2"/>
+          <p:cNvPicPr>
+            <a:picLocks noChangeAspect="1"/>
+          </p:cNvPicPr>
+          <p:nvPr/>
+        </p:nvPicPr>
+        <p:blipFill>
+          <a:blip r:embed="rId2"/>
+          <a:stretch>
+            <a:fillRect/>
+          </a:stretch>
+        </p:blipFill>
+        <p:spPr>
+          <a:xfrm>
+            <a:off x="6044579" y="2597025"/>
+            <a:ext cx="3595469" cy="1902119"/>
+          </a:xfrm>
+          <a:prstGeom prst="rect">
+            <a:avLst/>
+          </a:prstGeom>
+        </p:spPr>
+      </p:pic>
+    </p:spTree>
+    <p:extLst>
+      <p:ext uri="{BB962C8B-B14F-4D97-AF65-F5344CB8AC3E}">
+        <p14:creationId xmlns:p14="http://schemas.microsoft.com/office/powerpoint/2010/main" val="238962600"/>
+      </p:ext>
+    </p:extLst>
+  </p:cSld>
+  <p:clrMapOvr>
+    <a:masterClrMapping/>
+  </p:clrMapOvr>
+  <p:timing>
+    <p:tnLst>
+      <p:par>
+        <p:cTn id="1" dur="indefinite" restart="never" nodeType="tmRoot"/>
+      </p:par>
+    </p:tnLst>
+  </p:timing>
+</p:sld>
+</file>
+
+<file path=ppt/slides/slide13.xml><?xml version="1.0" encoding="utf-8"?>
+<p:sld xmlns:a="http://schemas.openxmlformats.org/drawingml/2006/main" xmlns:r="http://schemas.openxmlformats.org/officeDocument/2006/relationships" xmlns:p="http://schemas.openxmlformats.org/presentationml/2006/main">
+  <p:cSld>
+    <p:spTree>
+      <p:nvGrpSpPr>
+        <p:cNvPr id="1" name=""/>
+        <p:cNvGrpSpPr/>
+        <p:nvPr/>
+      </p:nvGrpSpPr>
+      <p:grpSpPr>
+        <a:xfrm>
+          <a:off x="0" y="0"/>
+          <a:ext cx="0" cy="0"/>
+          <a:chOff x="0" y="0"/>
+          <a:chExt cx="0" cy="0"/>
+        </a:xfrm>
+      </p:grpSpPr>
+      <p:sp>
+        <p:nvSpPr>
+          <p:cNvPr id="2" name="Título 1"/>
+          <p:cNvSpPr>
+            <a:spLocks noGrp="1"/>
+          </p:cNvSpPr>
+          <p:nvPr>
+            <p:ph type="title"/>
+          </p:nvPr>
+        </p:nvSpPr>
+        <p:spPr>
+          <a:xfrm>
+            <a:off x="697832" y="2597025"/>
+            <a:ext cx="3833906" cy="4952492"/>
+          </a:xfrm>
+        </p:spPr>
+        <p:txBody>
+          <a:bodyPr/>
+          <a:lstStyle/>
+          <a:p>
+            <a:pPr algn="l"/>
+            <a:r>
+              <a:rPr lang="pt-BR" dirty="0" smtClean="0"/>
+              <a:t>Passo a passo</a:t>
+            </a:r>
+            <a:endParaRPr lang="pt-BR" dirty="0"/>
+          </a:p>
+        </p:txBody>
+      </p:sp>
+      <p:sp>
+        <p:nvSpPr>
+          <p:cNvPr id="5" name="CaixaDeTexto 4"/>
+          <p:cNvSpPr txBox="1"/>
+          <p:nvPr/>
+        </p:nvSpPr>
+        <p:spPr>
+          <a:xfrm>
+            <a:off x="4943641" y="869993"/>
+            <a:ext cx="6061916" cy="646331"/>
+          </a:xfrm>
+          <a:prstGeom prst="rect">
+            <a:avLst/>
+          </a:prstGeom>
+          <a:noFill/>
+        </p:spPr>
+        <p:txBody>
+          <a:bodyPr wrap="none" rtlCol="0">
+            <a:spAutoFit/>
+          </a:bodyPr>
+          <a:lstStyle/>
+          <a:p>
+            <a:r>
+              <a:rPr lang="pt-BR" dirty="0"/>
+              <a:t>Passo 4: Como o número mínimo de traços é três, ainda não é </a:t>
+            </a:r>
+            <a:endParaRPr lang="pt-BR" dirty="0" smtClean="0"/>
+          </a:p>
+          <a:p>
+            <a:r>
+              <a:rPr lang="pt-BR" dirty="0" smtClean="0"/>
+              <a:t>possível </a:t>
+            </a:r>
+            <a:r>
+              <a:rPr lang="pt-BR" dirty="0"/>
+              <a:t>uma alocação ótima de zeros.</a:t>
+            </a:r>
+          </a:p>
+        </p:txBody>
+      </p:sp>
+    </p:spTree>
+    <p:extLst>
+      <p:ext uri="{BB962C8B-B14F-4D97-AF65-F5344CB8AC3E}">
+        <p14:creationId xmlns:p14="http://schemas.microsoft.com/office/powerpoint/2010/main" val="260152959"/>
+      </p:ext>
+    </p:extLst>
+  </p:cSld>
+  <p:clrMapOvr>
+    <a:masterClrMapping/>
+  </p:clrMapOvr>
+  <p:timing>
+    <p:tnLst>
+      <p:par>
+        <p:cTn id="1" dur="indefinite" restart="never" nodeType="tmRoot"/>
+      </p:par>
+    </p:tnLst>
+  </p:timing>
+</p:sld>
+</file>
+
+<file path=ppt/slides/slide14.xml><?xml version="1.0" encoding="utf-8"?>
+<p:sld xmlns:a="http://schemas.openxmlformats.org/drawingml/2006/main" xmlns:r="http://schemas.openxmlformats.org/officeDocument/2006/relationships" xmlns:p="http://schemas.openxmlformats.org/presentationml/2006/main">
+  <p:cSld>
+    <p:spTree>
+      <p:nvGrpSpPr>
+        <p:cNvPr id="1" name=""/>
+        <p:cNvGrpSpPr/>
+        <p:nvPr/>
+      </p:nvGrpSpPr>
+      <p:grpSpPr>
+        <a:xfrm>
+          <a:off x="0" y="0"/>
+          <a:ext cx="0" cy="0"/>
+          <a:chOff x="0" y="0"/>
+          <a:chExt cx="0" cy="0"/>
+        </a:xfrm>
+      </p:grpSpPr>
+      <p:sp>
+        <p:nvSpPr>
+          <p:cNvPr id="2" name="Título 1"/>
+          <p:cNvSpPr>
+            <a:spLocks noGrp="1"/>
+          </p:cNvSpPr>
+          <p:nvPr>
+            <p:ph type="title"/>
+          </p:nvPr>
+        </p:nvSpPr>
+        <p:spPr>
+          <a:xfrm>
+            <a:off x="697832" y="2597025"/>
+            <a:ext cx="3833906" cy="4952492"/>
+          </a:xfrm>
+        </p:spPr>
+        <p:txBody>
+          <a:bodyPr/>
+          <a:lstStyle/>
+          <a:p>
+            <a:pPr algn="l"/>
+            <a:r>
+              <a:rPr lang="pt-BR" dirty="0" smtClean="0"/>
+              <a:t>Passo a passo</a:t>
+            </a:r>
+            <a:endParaRPr lang="pt-BR" dirty="0"/>
+          </a:p>
+        </p:txBody>
+      </p:sp>
+      <p:sp>
+        <p:nvSpPr>
+          <p:cNvPr id="5" name="CaixaDeTexto 4"/>
+          <p:cNvSpPr txBox="1"/>
+          <p:nvPr/>
+        </p:nvSpPr>
+        <p:spPr>
+          <a:xfrm>
+            <a:off x="4943641" y="869993"/>
+            <a:ext cx="6061916" cy="646331"/>
+          </a:xfrm>
+          <a:prstGeom prst="rect">
+            <a:avLst/>
+          </a:prstGeom>
+          <a:noFill/>
+        </p:spPr>
+        <p:txBody>
+          <a:bodyPr wrap="none" rtlCol="0">
+            <a:spAutoFit/>
+          </a:bodyPr>
+          <a:lstStyle/>
+          <a:p>
+            <a:r>
+              <a:rPr lang="pt-BR" dirty="0"/>
+              <a:t>Passo 4: Como o número mínimo de traços é três, ainda não é </a:t>
+            </a:r>
+            <a:endParaRPr lang="pt-BR" dirty="0" smtClean="0"/>
+          </a:p>
+          <a:p>
+            <a:r>
+              <a:rPr lang="pt-BR" dirty="0" smtClean="0"/>
+              <a:t>possível </a:t>
+            </a:r>
+            <a:r>
+              <a:rPr lang="pt-BR" dirty="0"/>
+              <a:t>uma alocação ótima de zeros.</a:t>
+            </a:r>
+          </a:p>
+        </p:txBody>
+      </p:sp>
+      <p:sp>
+        <p:nvSpPr>
+          <p:cNvPr id="4" name="CaixaDeTexto 3"/>
+          <p:cNvSpPr txBox="1"/>
+          <p:nvPr/>
+        </p:nvSpPr>
+        <p:spPr>
+          <a:xfrm>
+            <a:off x="4943641" y="1680119"/>
+            <a:ext cx="6812827" cy="923330"/>
+          </a:xfrm>
+          <a:prstGeom prst="rect">
+            <a:avLst/>
+          </a:prstGeom>
+          <a:noFill/>
+        </p:spPr>
+        <p:txBody>
+          <a:bodyPr wrap="none" rtlCol="0">
+            <a:spAutoFit/>
+          </a:bodyPr>
+          <a:lstStyle/>
+          <a:p>
+            <a:r>
+              <a:rPr lang="pt-BR" dirty="0"/>
+              <a:t>Passo 5: Subtraímos 20, que é a menor entrada não riscada da matriz, </a:t>
+            </a:r>
+            <a:endParaRPr lang="pt-BR" dirty="0" smtClean="0"/>
+          </a:p>
+          <a:p>
+            <a:r>
+              <a:rPr lang="pt-BR" dirty="0" smtClean="0"/>
+              <a:t>de </a:t>
+            </a:r>
+            <a:r>
+              <a:rPr lang="pt-BR" dirty="0"/>
+              <a:t>cada uma das </a:t>
+            </a:r>
+            <a:r>
+              <a:rPr lang="pt-BR" dirty="0" smtClean="0"/>
+              <a:t>entradas não </a:t>
+            </a:r>
+            <a:r>
+              <a:rPr lang="pt-BR" dirty="0"/>
+              <a:t>riscadas e somamos 20 às duas </a:t>
+            </a:r>
+            <a:endParaRPr lang="pt-BR" dirty="0" smtClean="0"/>
+          </a:p>
+          <a:p>
+            <a:r>
+              <a:rPr lang="pt-BR" dirty="0" smtClean="0"/>
+              <a:t>entradas </a:t>
+            </a:r>
+            <a:r>
+              <a:rPr lang="pt-BR" dirty="0"/>
+              <a:t>riscadas por dois traços.</a:t>
+            </a:r>
+          </a:p>
+        </p:txBody>
+      </p:sp>
+      <p:pic>
+        <p:nvPicPr>
+          <p:cNvPr id="3" name="Imagem 2"/>
+          <p:cNvPicPr>
+            <a:picLocks noChangeAspect="1"/>
+          </p:cNvPicPr>
+          <p:nvPr/>
+        </p:nvPicPr>
+        <p:blipFill>
+          <a:blip r:embed="rId2"/>
+          <a:stretch>
+            <a:fillRect/>
+          </a:stretch>
+        </p:blipFill>
+        <p:spPr>
+          <a:xfrm>
+            <a:off x="6412468" y="2886243"/>
+            <a:ext cx="3298353" cy="1814094"/>
+          </a:xfrm>
+          <a:prstGeom prst="rect">
+            <a:avLst/>
+          </a:prstGeom>
+        </p:spPr>
+      </p:pic>
+    </p:spTree>
+    <p:extLst>
+      <p:ext uri="{BB962C8B-B14F-4D97-AF65-F5344CB8AC3E}">
+        <p14:creationId xmlns:p14="http://schemas.microsoft.com/office/powerpoint/2010/main" val="1850952926"/>
+      </p:ext>
+    </p:extLst>
+  </p:cSld>
+  <p:clrMapOvr>
+    <a:masterClrMapping/>
+  </p:clrMapOvr>
+  <p:timing>
+    <p:tnLst>
+      <p:par>
+        <p:cTn id="1" dur="indefinite" restart="never" nodeType="tmRoot"/>
+      </p:par>
+    </p:tnLst>
+  </p:timing>
+</p:sld>
+</file>
+
+<file path=ppt/slides/slide15.xml><?xml version="1.0" encoding="utf-8"?>
+<p:sld xmlns:a="http://schemas.openxmlformats.org/drawingml/2006/main" xmlns:r="http://schemas.openxmlformats.org/officeDocument/2006/relationships" xmlns:p="http://schemas.openxmlformats.org/presentationml/2006/main">
+  <p:cSld>
+    <p:spTree>
+      <p:nvGrpSpPr>
+        <p:cNvPr id="1" name=""/>
+        <p:cNvGrpSpPr/>
+        <p:nvPr/>
+      </p:nvGrpSpPr>
+      <p:grpSpPr>
+        <a:xfrm>
+          <a:off x="0" y="0"/>
+          <a:ext cx="0" cy="0"/>
+          <a:chOff x="0" y="0"/>
+          <a:chExt cx="0" cy="0"/>
+        </a:xfrm>
+      </p:grpSpPr>
+      <p:sp>
+        <p:nvSpPr>
+          <p:cNvPr id="2" name="Título 1"/>
+          <p:cNvSpPr>
+            <a:spLocks noGrp="1"/>
+          </p:cNvSpPr>
+          <p:nvPr>
+            <p:ph type="title"/>
+          </p:nvPr>
+        </p:nvSpPr>
+        <p:spPr>
+          <a:xfrm>
+            <a:off x="697832" y="2597025"/>
+            <a:ext cx="3833906" cy="4952492"/>
+          </a:xfrm>
+        </p:spPr>
+        <p:txBody>
+          <a:bodyPr/>
+          <a:lstStyle/>
+          <a:p>
+            <a:pPr algn="l"/>
+            <a:r>
+              <a:rPr lang="pt-BR" dirty="0" smtClean="0"/>
+              <a:t>Passo a passo</a:t>
+            </a:r>
+            <a:endParaRPr lang="pt-BR" dirty="0"/>
+          </a:p>
+        </p:txBody>
+      </p:sp>
+      <p:sp>
+        <p:nvSpPr>
+          <p:cNvPr id="5" name="CaixaDeTexto 4"/>
+          <p:cNvSpPr txBox="1"/>
+          <p:nvPr/>
+        </p:nvSpPr>
+        <p:spPr>
+          <a:xfrm>
+            <a:off x="4943641" y="869993"/>
+            <a:ext cx="6918882" cy="923330"/>
+          </a:xfrm>
+          <a:prstGeom prst="rect">
+            <a:avLst/>
+          </a:prstGeom>
+          <a:noFill/>
+        </p:spPr>
+        <p:txBody>
+          <a:bodyPr wrap="none" rtlCol="0">
+            <a:spAutoFit/>
+          </a:bodyPr>
+          <a:lstStyle/>
+          <a:p>
+            <a:r>
+              <a:rPr lang="pt-BR" dirty="0"/>
+              <a:t>Passo 6: Riscamos as entradas zero com um número mínimo </a:t>
+            </a:r>
+            <a:endParaRPr lang="pt-BR" dirty="0" smtClean="0"/>
+          </a:p>
+          <a:p>
+            <a:r>
+              <a:rPr lang="pt-BR" dirty="0" smtClean="0"/>
+              <a:t>de </a:t>
+            </a:r>
+            <a:r>
+              <a:rPr lang="pt-BR" dirty="0"/>
+              <a:t>traços horizontais e verticais. </a:t>
+            </a:r>
+            <a:r>
+              <a:rPr lang="pt-BR" dirty="0" smtClean="0"/>
+              <a:t>Riscamos </a:t>
+            </a:r>
+            <a:r>
+              <a:rPr lang="pt-BR" dirty="0"/>
+              <a:t>a primeira linha e a primeira </a:t>
+            </a:r>
+            <a:endParaRPr lang="pt-BR" dirty="0" smtClean="0"/>
+          </a:p>
+          <a:p>
+            <a:r>
+              <a:rPr lang="pt-BR" dirty="0" smtClean="0"/>
+              <a:t>e </a:t>
+            </a:r>
+            <a:r>
+              <a:rPr lang="pt-BR" dirty="0"/>
+              <a:t>terceira colunas.</a:t>
+            </a:r>
+          </a:p>
+        </p:txBody>
+      </p:sp>
+      <p:pic>
+        <p:nvPicPr>
+          <p:cNvPr id="4" name="Imagem 3"/>
+          <p:cNvPicPr>
+            <a:picLocks noChangeAspect="1"/>
+          </p:cNvPicPr>
+          <p:nvPr/>
+        </p:nvPicPr>
+        <p:blipFill>
+          <a:blip r:embed="rId2"/>
+          <a:stretch>
+            <a:fillRect/>
+          </a:stretch>
+        </p:blipFill>
+        <p:spPr>
+          <a:xfrm>
+            <a:off x="6590965" y="2597025"/>
+            <a:ext cx="3615383" cy="1888289"/>
+          </a:xfrm>
+          <a:prstGeom prst="rect">
+            <a:avLst/>
+          </a:prstGeom>
+        </p:spPr>
+      </p:pic>
+    </p:spTree>
+    <p:extLst>
+      <p:ext uri="{BB962C8B-B14F-4D97-AF65-F5344CB8AC3E}">
+        <p14:creationId xmlns:p14="http://schemas.microsoft.com/office/powerpoint/2010/main" val="625032172"/>
+      </p:ext>
+    </p:extLst>
+  </p:cSld>
+  <p:clrMapOvr>
+    <a:masterClrMapping/>
+  </p:clrMapOvr>
+  <p:timing>
+    <p:tnLst>
+      <p:par>
+        <p:cTn id="1" dur="indefinite" restart="never" nodeType="tmRoot"/>
+      </p:par>
+    </p:tnLst>
+  </p:timing>
+</p:sld>
+</file>
+
+<file path=ppt/slides/slide16.xml><?xml version="1.0" encoding="utf-8"?>
+<p:sld xmlns:a="http://schemas.openxmlformats.org/drawingml/2006/main" xmlns:r="http://schemas.openxmlformats.org/officeDocument/2006/relationships" xmlns:p="http://schemas.openxmlformats.org/presentationml/2006/main">
+  <p:cSld>
+    <p:spTree>
+      <p:nvGrpSpPr>
+        <p:cNvPr id="1" name=""/>
+        <p:cNvGrpSpPr/>
+        <p:nvPr/>
+      </p:nvGrpSpPr>
+      <p:grpSpPr>
+        <a:xfrm>
+          <a:off x="0" y="0"/>
+          <a:ext cx="0" cy="0"/>
+          <a:chOff x="0" y="0"/>
+          <a:chExt cx="0" cy="0"/>
+        </a:xfrm>
+      </p:grpSpPr>
+      <p:sp>
+        <p:nvSpPr>
+          <p:cNvPr id="2" name="Título 1"/>
+          <p:cNvSpPr>
+            <a:spLocks noGrp="1"/>
+          </p:cNvSpPr>
+          <p:nvPr>
+            <p:ph type="title"/>
+          </p:nvPr>
+        </p:nvSpPr>
+        <p:spPr>
+          <a:xfrm>
+            <a:off x="697832" y="2597025"/>
+            <a:ext cx="3833906" cy="4952492"/>
+          </a:xfrm>
+        </p:spPr>
+        <p:txBody>
+          <a:bodyPr/>
+          <a:lstStyle/>
+          <a:p>
+            <a:pPr algn="l"/>
+            <a:r>
+              <a:rPr lang="pt-BR" dirty="0" smtClean="0"/>
+              <a:t>Passo a passo</a:t>
+            </a:r>
+            <a:endParaRPr lang="pt-BR" dirty="0"/>
+          </a:p>
+        </p:txBody>
+      </p:sp>
+      <p:sp>
+        <p:nvSpPr>
+          <p:cNvPr id="5" name="CaixaDeTexto 4"/>
+          <p:cNvSpPr txBox="1"/>
+          <p:nvPr/>
+        </p:nvSpPr>
+        <p:spPr>
+          <a:xfrm>
+            <a:off x="4702449" y="869993"/>
+            <a:ext cx="6578083" cy="646331"/>
+          </a:xfrm>
+          <a:prstGeom prst="rect">
+            <a:avLst/>
+          </a:prstGeom>
+          <a:noFill/>
+        </p:spPr>
+        <p:txBody>
+          <a:bodyPr wrap="none" rtlCol="0">
+            <a:spAutoFit/>
+          </a:bodyPr>
+          <a:lstStyle/>
+          <a:p>
+            <a:r>
+              <a:rPr lang="pt-BR" dirty="0"/>
+              <a:t>Passo 7: O número mínimo de traços é três e, portanto, ainda não é </a:t>
+            </a:r>
+            <a:endParaRPr lang="pt-BR" dirty="0" smtClean="0"/>
+          </a:p>
+          <a:p>
+            <a:r>
+              <a:rPr lang="pt-BR" dirty="0" smtClean="0"/>
+              <a:t>possível </a:t>
+            </a:r>
+            <a:r>
+              <a:rPr lang="pt-BR" dirty="0"/>
+              <a:t>uma alocação ótima de zeros</a:t>
+            </a:r>
+          </a:p>
+        </p:txBody>
+      </p:sp>
+      <p:sp>
+        <p:nvSpPr>
+          <p:cNvPr id="6" name="CaixaDeTexto 5"/>
+          <p:cNvSpPr txBox="1"/>
+          <p:nvPr/>
+        </p:nvSpPr>
+        <p:spPr>
+          <a:xfrm>
+            <a:off x="4702449" y="1760330"/>
+            <a:ext cx="7489551" cy="646331"/>
+          </a:xfrm>
+          <a:prstGeom prst="rect">
+            <a:avLst/>
+          </a:prstGeom>
+          <a:noFill/>
+        </p:spPr>
+        <p:txBody>
+          <a:bodyPr wrap="none" rtlCol="0">
+            <a:spAutoFit/>
+          </a:bodyPr>
+          <a:lstStyle/>
+          <a:p>
+            <a:r>
+              <a:rPr lang="pt-BR" dirty="0"/>
+              <a:t>Passo 8: Subtraímos 5, que é a menor entrada não riscada, de cada uma das </a:t>
+            </a:r>
+            <a:endParaRPr lang="pt-BR" dirty="0" smtClean="0"/>
+          </a:p>
+          <a:p>
+            <a:r>
+              <a:rPr lang="pt-BR" dirty="0" smtClean="0"/>
+              <a:t>entradas </a:t>
+            </a:r>
+            <a:r>
+              <a:rPr lang="pt-BR" dirty="0"/>
+              <a:t>não riscadas e somamos 5 às duas entradas riscadas por dois traços.</a:t>
+            </a:r>
+          </a:p>
+        </p:txBody>
+      </p:sp>
+      <p:pic>
+        <p:nvPicPr>
+          <p:cNvPr id="3" name="Imagem 2"/>
+          <p:cNvPicPr>
+            <a:picLocks noChangeAspect="1"/>
+          </p:cNvPicPr>
+          <p:nvPr/>
+        </p:nvPicPr>
+        <p:blipFill>
+          <a:blip r:embed="rId2"/>
+          <a:stretch>
+            <a:fillRect/>
+          </a:stretch>
+        </p:blipFill>
+        <p:spPr>
+          <a:xfrm>
+            <a:off x="6478723" y="2991517"/>
+            <a:ext cx="3478645" cy="1772987"/>
+          </a:xfrm>
+          <a:prstGeom prst="rect">
+            <a:avLst/>
+          </a:prstGeom>
+        </p:spPr>
+      </p:pic>
+    </p:spTree>
+    <p:extLst>
+      <p:ext uri="{BB962C8B-B14F-4D97-AF65-F5344CB8AC3E}">
+        <p14:creationId xmlns:p14="http://schemas.microsoft.com/office/powerpoint/2010/main" val="260401255"/>
+      </p:ext>
+    </p:extLst>
+  </p:cSld>
+  <p:clrMapOvr>
+    <a:masterClrMapping/>
+  </p:clrMapOvr>
+  <p:timing>
+    <p:tnLst>
+      <p:par>
+        <p:cTn id="1" dur="indefinite" restart="never" nodeType="tmRoot"/>
+      </p:par>
+    </p:tnLst>
+  </p:timing>
+</p:sld>
+</file>
+
+<file path=ppt/slides/slide17.xml><?xml version="1.0" encoding="utf-8"?>
+<p:sld xmlns:a="http://schemas.openxmlformats.org/drawingml/2006/main" xmlns:r="http://schemas.openxmlformats.org/officeDocument/2006/relationships" xmlns:p="http://schemas.openxmlformats.org/presentationml/2006/main">
+  <p:cSld>
+    <p:spTree>
+      <p:nvGrpSpPr>
+        <p:cNvPr id="1" name=""/>
+        <p:cNvGrpSpPr/>
+        <p:nvPr/>
+      </p:nvGrpSpPr>
+      <p:grpSpPr>
+        <a:xfrm>
+          <a:off x="0" y="0"/>
+          <a:ext cx="0" cy="0"/>
+          <a:chOff x="0" y="0"/>
+          <a:chExt cx="0" cy="0"/>
+        </a:xfrm>
+      </p:grpSpPr>
+      <p:sp>
+        <p:nvSpPr>
+          <p:cNvPr id="2" name="Título 1"/>
+          <p:cNvSpPr>
+            <a:spLocks noGrp="1"/>
+          </p:cNvSpPr>
+          <p:nvPr>
+            <p:ph type="title"/>
+          </p:nvPr>
+        </p:nvSpPr>
+        <p:spPr>
+          <a:xfrm>
+            <a:off x="697832" y="2597025"/>
+            <a:ext cx="3833906" cy="4952492"/>
+          </a:xfrm>
+        </p:spPr>
+        <p:txBody>
+          <a:bodyPr/>
+          <a:lstStyle/>
+          <a:p>
+            <a:pPr algn="l"/>
+            <a:r>
+              <a:rPr lang="pt-BR" dirty="0" smtClean="0"/>
+              <a:t>Passo a passo</a:t>
+            </a:r>
+            <a:endParaRPr lang="pt-BR" dirty="0"/>
+          </a:p>
+        </p:txBody>
+      </p:sp>
+      <p:sp>
+        <p:nvSpPr>
+          <p:cNvPr id="5" name="CaixaDeTexto 4"/>
+          <p:cNvSpPr txBox="1"/>
+          <p:nvPr/>
+        </p:nvSpPr>
+        <p:spPr>
+          <a:xfrm>
+            <a:off x="4702449" y="869993"/>
+            <a:ext cx="6835526" cy="646331"/>
+          </a:xfrm>
+          <a:prstGeom prst="rect">
+            <a:avLst/>
+          </a:prstGeom>
+          <a:noFill/>
+        </p:spPr>
+        <p:txBody>
+          <a:bodyPr wrap="none" rtlCol="0">
+            <a:spAutoFit/>
+          </a:bodyPr>
+          <a:lstStyle/>
+          <a:p>
+            <a:r>
+              <a:rPr lang="pt-BR" dirty="0"/>
+              <a:t>Passo 9: Riscamos as entradas zero com um número mínimo de </a:t>
+            </a:r>
+            <a:r>
+              <a:rPr lang="pt-BR" dirty="0" smtClean="0"/>
+              <a:t>traços</a:t>
+            </a:r>
+          </a:p>
+          <a:p>
+            <a:r>
+              <a:rPr lang="pt-BR" dirty="0" smtClean="0"/>
+              <a:t> </a:t>
+            </a:r>
+            <a:r>
+              <a:rPr lang="pt-BR" dirty="0"/>
+              <a:t>horizontais e verticais. Riscamos as quatro primeiras linhas.</a:t>
+            </a:r>
+          </a:p>
+        </p:txBody>
+      </p:sp>
+      <p:pic>
+        <p:nvPicPr>
+          <p:cNvPr id="4" name="Imagem 3"/>
+          <p:cNvPicPr>
+            <a:picLocks noChangeAspect="1"/>
+          </p:cNvPicPr>
+          <p:nvPr/>
+        </p:nvPicPr>
+        <p:blipFill>
+          <a:blip r:embed="rId2"/>
+          <a:stretch>
+            <a:fillRect/>
+          </a:stretch>
+        </p:blipFill>
+        <p:spPr>
+          <a:xfrm>
+            <a:off x="5932905" y="1923047"/>
+            <a:ext cx="3949032" cy="2026477"/>
+          </a:xfrm>
+          <a:prstGeom prst="rect">
+            <a:avLst/>
+          </a:prstGeom>
+        </p:spPr>
+      </p:pic>
+    </p:spTree>
+    <p:extLst>
+      <p:ext uri="{BB962C8B-B14F-4D97-AF65-F5344CB8AC3E}">
+        <p14:creationId xmlns:p14="http://schemas.microsoft.com/office/powerpoint/2010/main" val="155789224"/>
+      </p:ext>
+    </p:extLst>
+  </p:cSld>
+  <p:clrMapOvr>
+    <a:masterClrMapping/>
+  </p:clrMapOvr>
+  <p:timing>
+    <p:tnLst>
+      <p:par>
+        <p:cTn id="1" dur="indefinite" restart="never" nodeType="tmRoot"/>
+      </p:par>
+    </p:tnLst>
+  </p:timing>
+</p:sld>
+</file>
+
+<file path=ppt/slides/slide18.xml><?xml version="1.0" encoding="utf-8"?>
+<p:sld xmlns:a="http://schemas.openxmlformats.org/drawingml/2006/main" xmlns:r="http://schemas.openxmlformats.org/officeDocument/2006/relationships" xmlns:p="http://schemas.openxmlformats.org/presentationml/2006/main">
+  <p:cSld>
+    <p:spTree>
+      <p:nvGrpSpPr>
+        <p:cNvPr id="1" name=""/>
+        <p:cNvGrpSpPr/>
+        <p:nvPr/>
+      </p:nvGrpSpPr>
+      <p:grpSpPr>
+        <a:xfrm>
+          <a:off x="0" y="0"/>
+          <a:ext cx="0" cy="0"/>
+          <a:chOff x="0" y="0"/>
+          <a:chExt cx="0" cy="0"/>
+        </a:xfrm>
+      </p:grpSpPr>
+      <p:sp>
+        <p:nvSpPr>
+          <p:cNvPr id="2" name="Título 1"/>
+          <p:cNvSpPr>
+            <a:spLocks noGrp="1"/>
+          </p:cNvSpPr>
+          <p:nvPr>
+            <p:ph type="title"/>
+          </p:nvPr>
+        </p:nvSpPr>
+        <p:spPr>
+          <a:xfrm>
+            <a:off x="697832" y="2597025"/>
+            <a:ext cx="3833906" cy="4952492"/>
+          </a:xfrm>
+        </p:spPr>
+        <p:txBody>
+          <a:bodyPr/>
+          <a:lstStyle/>
+          <a:p>
+            <a:pPr algn="l"/>
+            <a:r>
+              <a:rPr lang="pt-BR" dirty="0" smtClean="0"/>
+              <a:t>Passo a passo</a:t>
+            </a:r>
+            <a:endParaRPr lang="pt-BR" dirty="0"/>
+          </a:p>
+        </p:txBody>
+      </p:sp>
+      <p:sp>
+        <p:nvSpPr>
+          <p:cNvPr id="5" name="CaixaDeTexto 4"/>
+          <p:cNvSpPr txBox="1"/>
+          <p:nvPr/>
+        </p:nvSpPr>
+        <p:spPr>
+          <a:xfrm>
+            <a:off x="4702449" y="869993"/>
+            <a:ext cx="7405232" cy="646331"/>
+          </a:xfrm>
+          <a:prstGeom prst="rect">
+            <a:avLst/>
+          </a:prstGeom>
+          <a:noFill/>
+        </p:spPr>
+        <p:txBody>
+          <a:bodyPr wrap="none" rtlCol="0">
+            <a:spAutoFit/>
+          </a:bodyPr>
+          <a:lstStyle/>
+          <a:p>
+            <a:r>
+              <a:rPr lang="pt-BR" dirty="0"/>
+              <a:t>Passo 10: Como as entradas zero não podem ser riscadas com menos do </a:t>
+            </a:r>
+            <a:r>
+              <a:rPr lang="pt-BR" dirty="0" smtClean="0"/>
+              <a:t>que</a:t>
+            </a:r>
+          </a:p>
+          <a:p>
+            <a:r>
+              <a:rPr lang="pt-BR" dirty="0" smtClean="0"/>
+              <a:t> </a:t>
+            </a:r>
+            <a:r>
+              <a:rPr lang="pt-BR" dirty="0"/>
+              <a:t>quatro traços, a matriz deve conter uma alocação ótima de zeros.</a:t>
+            </a:r>
+          </a:p>
+        </p:txBody>
+      </p:sp>
+      <p:pic>
+        <p:nvPicPr>
+          <p:cNvPr id="3" name="Imagem 2"/>
+          <p:cNvPicPr>
+            <a:picLocks noChangeAspect="1"/>
+          </p:cNvPicPr>
+          <p:nvPr/>
+        </p:nvPicPr>
+        <p:blipFill>
+          <a:blip r:embed="rId2"/>
+          <a:stretch>
+            <a:fillRect/>
+          </a:stretch>
+        </p:blipFill>
+        <p:spPr>
+          <a:xfrm>
+            <a:off x="4702449" y="2093495"/>
+            <a:ext cx="2995004" cy="1644316"/>
+          </a:xfrm>
+          <a:prstGeom prst="rect">
+            <a:avLst/>
+          </a:prstGeom>
+        </p:spPr>
+      </p:pic>
+      <p:sp>
+        <p:nvSpPr>
+          <p:cNvPr id="6" name="CaixaDeTexto 5"/>
+          <p:cNvSpPr txBox="1"/>
+          <p:nvPr/>
+        </p:nvSpPr>
+        <p:spPr>
+          <a:xfrm>
+            <a:off x="8165432" y="2915653"/>
+            <a:ext cx="428322" cy="369332"/>
+          </a:xfrm>
+          <a:prstGeom prst="rect">
+            <a:avLst/>
+          </a:prstGeom>
+          <a:noFill/>
+        </p:spPr>
+        <p:txBody>
+          <a:bodyPr wrap="none" rtlCol="0">
+            <a:spAutoFit/>
+          </a:bodyPr>
+          <a:lstStyle/>
+          <a:p>
+            <a:r>
+              <a:rPr lang="pt-BR" dirty="0" smtClean="0"/>
+              <a:t>ou</a:t>
+            </a:r>
+            <a:endParaRPr lang="pt-BR" dirty="0"/>
+          </a:p>
+        </p:txBody>
+      </p:sp>
+      <p:pic>
+        <p:nvPicPr>
+          <p:cNvPr id="7" name="Imagem 6"/>
+          <p:cNvPicPr>
+            <a:picLocks noChangeAspect="1"/>
+          </p:cNvPicPr>
+          <p:nvPr/>
+        </p:nvPicPr>
+        <p:blipFill>
+          <a:blip r:embed="rId3"/>
+          <a:stretch>
+            <a:fillRect/>
+          </a:stretch>
+        </p:blipFill>
+        <p:spPr>
+          <a:xfrm>
+            <a:off x="8825270" y="2093495"/>
+            <a:ext cx="2995004" cy="1628157"/>
+          </a:xfrm>
+          <a:prstGeom prst="rect">
+            <a:avLst/>
+          </a:prstGeom>
+        </p:spPr>
+      </p:pic>
+    </p:spTree>
+    <p:extLst>
+      <p:ext uri="{BB962C8B-B14F-4D97-AF65-F5344CB8AC3E}">
+        <p14:creationId xmlns:p14="http://schemas.microsoft.com/office/powerpoint/2010/main" val="1635905385"/>
+      </p:ext>
+    </p:extLst>
+  </p:cSld>
+  <p:clrMapOvr>
+    <a:masterClrMapping/>
+  </p:clrMapOvr>
+  <p:timing>
+    <p:tnLst>
+      <p:par>
+        <p:cTn id="1" dur="indefinite" restart="never" nodeType="tmRoot"/>
+      </p:par>
+    </p:tnLst>
+  </p:timing>
+</p:sld>
+</file>
+
+<file path=ppt/slides/slide19.xml><?xml version="1.0" encoding="utf-8"?>
+<p:sld xmlns:a="http://schemas.openxmlformats.org/drawingml/2006/main" xmlns:r="http://schemas.openxmlformats.org/officeDocument/2006/relationships" xmlns:p="http://schemas.openxmlformats.org/presentationml/2006/main">
+  <p:cSld>
+    <p:spTree>
+      <p:nvGrpSpPr>
+        <p:cNvPr id="1" name=""/>
+        <p:cNvGrpSpPr/>
+        <p:nvPr/>
+      </p:nvGrpSpPr>
+      <p:grpSpPr>
+        <a:xfrm>
+          <a:off x="0" y="0"/>
+          <a:ext cx="0" cy="0"/>
+          <a:chOff x="0" y="0"/>
+          <a:chExt cx="0" cy="0"/>
+        </a:xfrm>
+      </p:grpSpPr>
+      <p:sp>
+        <p:nvSpPr>
+          <p:cNvPr id="2" name="Título 1"/>
+          <p:cNvSpPr>
+            <a:spLocks noGrp="1"/>
+          </p:cNvSpPr>
+          <p:nvPr>
+            <p:ph type="title"/>
+          </p:nvPr>
+        </p:nvSpPr>
+        <p:spPr>
+          <a:xfrm>
+            <a:off x="4387516" y="2372436"/>
+            <a:ext cx="3833906" cy="4952492"/>
+          </a:xfrm>
+        </p:spPr>
+        <p:txBody>
+          <a:bodyPr/>
+          <a:lstStyle/>
+          <a:p>
+            <a:pPr algn="ctr"/>
+            <a:r>
+              <a:rPr lang="pt-BR" dirty="0" smtClean="0"/>
+              <a:t>Execuç</a:t>
+            </a:r>
+            <a:r>
+              <a:rPr lang="pt-BR" dirty="0" smtClean="0"/>
+              <a:t>ão do programa</a:t>
+            </a:r>
+            <a:br>
+              <a:rPr lang="pt-BR" dirty="0" smtClean="0"/>
+            </a:br>
+            <a:r>
+              <a:rPr lang="pt-BR" baseline="-25000" dirty="0" smtClean="0"/>
+              <a:t>Rafael</a:t>
+            </a:r>
+            <a:endParaRPr lang="pt-BR" baseline="-25000" dirty="0"/>
+          </a:p>
+        </p:txBody>
+      </p:sp>
+    </p:spTree>
+    <p:extLst>
+      <p:ext uri="{BB962C8B-B14F-4D97-AF65-F5344CB8AC3E}">
+        <p14:creationId xmlns:p14="http://schemas.microsoft.com/office/powerpoint/2010/main" val="1927495994"/>
       </p:ext>
     </p:extLst>
   </p:cSld>
@@ -4421,24 +5886,29 @@
         </p:nvSpPr>
         <p:spPr>
           <a:xfrm>
-            <a:off x="1043027" y="2564216"/>
-            <a:ext cx="3111879" cy="1334123"/>
-          </a:xfrm>
-        </p:spPr>
-        <p:txBody>
-          <a:bodyPr>
-            <a:normAutofit fontScale="90000"/>
-          </a:bodyPr>
+            <a:off x="762000" y="2695074"/>
+            <a:ext cx="3833906" cy="2817096"/>
+          </a:xfrm>
+        </p:spPr>
+        <p:txBody>
+          <a:bodyPr/>
           <a:lstStyle/>
           <a:p>
             <a:pPr algn="l"/>
             <a:r>
               <a:rPr lang="pt-BR" dirty="0" smtClean="0"/>
-              <a:t>Tomada de decis</a:t>
-            </a:r>
-            <a:r>
-              <a:rPr lang="pt-BR" dirty="0" smtClean="0"/>
-              <a:t>ões</a:t>
+              <a:t>Problema</a:t>
+            </a:r>
+            <a:br>
+              <a:rPr lang="pt-BR" dirty="0" smtClean="0"/>
+            </a:br>
+            <a:r>
+              <a:rPr lang="pt-BR" baseline="-25000" dirty="0" smtClean="0"/>
+              <a:t>Luan</a:t>
+            </a:r>
+            <a:r>
+              <a:rPr lang="pt-BR" dirty="0" smtClean="0"/>
+              <a:t> </a:t>
             </a:r>
             <a:endParaRPr lang="pt-BR" dirty="0"/>
           </a:p>
@@ -4454,15 +5924,246 @@
             <p:ph idx="1"/>
           </p:nvPr>
         </p:nvSpPr>
-        <p:spPr>
-          <a:xfrm>
-            <a:off x="4940970" y="2284739"/>
-            <a:ext cx="3128210" cy="1613600"/>
-          </a:xfrm>
-        </p:spPr>
+        <p:spPr/>
         <p:txBody>
           <a:bodyPr/>
           <a:lstStyle/>
+          <a:p>
+            <a:pPr algn="just"/>
+            <a:r>
+              <a:rPr lang="pt-BR" dirty="0"/>
+              <a:t>Uma construtora tem quatro escavadeiras utilizadas em quatro garagens diferentes. As escavadeiras devem ser transportadas a quatro diferentes locais de construção. As distâncias entre as escavadeiras e os locais de construção são dadas, em quilômetros, na </a:t>
+            </a:r>
+            <a:r>
+              <a:rPr lang="pt-BR" dirty="0" smtClean="0"/>
+              <a:t>tabela </a:t>
+            </a:r>
+            <a:r>
+              <a:rPr lang="pt-BR" dirty="0"/>
+              <a:t>a seguir</a:t>
+            </a:r>
+            <a:r>
+              <a:rPr lang="pt-BR" dirty="0" smtClean="0"/>
+              <a:t>:</a:t>
+            </a:r>
+          </a:p>
+          <a:p>
+            <a:pPr algn="just"/>
+            <a:endParaRPr lang="pt-BR" dirty="0"/>
+          </a:p>
+          <a:p>
+            <a:pPr algn="just"/>
+            <a:endParaRPr lang="pt-BR" dirty="0" smtClean="0"/>
+          </a:p>
+        </p:txBody>
+      </p:sp>
+      <p:pic>
+        <p:nvPicPr>
+          <p:cNvPr id="4" name="Imagem 3"/>
+          <p:cNvPicPr>
+            <a:picLocks noChangeAspect="1"/>
+          </p:cNvPicPr>
+          <p:nvPr/>
+        </p:nvPicPr>
+        <p:blipFill>
+          <a:blip r:embed="rId2"/>
+          <a:stretch>
+            <a:fillRect/>
+          </a:stretch>
+        </p:blipFill>
+        <p:spPr>
+          <a:xfrm>
+            <a:off x="4514849" y="3411472"/>
+            <a:ext cx="7581900" cy="1384300"/>
+          </a:xfrm>
+          <a:prstGeom prst="rect">
+            <a:avLst/>
+          </a:prstGeom>
+        </p:spPr>
+      </p:pic>
+    </p:spTree>
+    <p:extLst>
+      <p:ext uri="{BB962C8B-B14F-4D97-AF65-F5344CB8AC3E}">
+        <p14:creationId xmlns:p14="http://schemas.microsoft.com/office/powerpoint/2010/main" val="1649760492"/>
+      </p:ext>
+    </p:extLst>
+  </p:cSld>
+  <p:clrMapOvr>
+    <a:masterClrMapping/>
+  </p:clrMapOvr>
+  <p:timing>
+    <p:tnLst>
+      <p:par>
+        <p:cTn id="1" dur="indefinite" restart="never" nodeType="tmRoot"/>
+      </p:par>
+    </p:tnLst>
+  </p:timing>
+</p:sld>
+</file>
+
+<file path=ppt/slides/slide20.xml><?xml version="1.0" encoding="utf-8"?>
+<p:sld xmlns:a="http://schemas.openxmlformats.org/drawingml/2006/main" xmlns:r="http://schemas.openxmlformats.org/officeDocument/2006/relationships" xmlns:p="http://schemas.openxmlformats.org/presentationml/2006/main">
+  <p:cSld>
+    <p:spTree>
+      <p:nvGrpSpPr>
+        <p:cNvPr id="1" name=""/>
+        <p:cNvGrpSpPr/>
+        <p:nvPr/>
+      </p:nvGrpSpPr>
+      <p:grpSpPr>
+        <a:xfrm>
+          <a:off x="0" y="0"/>
+          <a:ext cx="0" cy="0"/>
+          <a:chOff x="0" y="0"/>
+          <a:chExt cx="0" cy="0"/>
+        </a:xfrm>
+      </p:grpSpPr>
+      <p:sp>
+        <p:nvSpPr>
+          <p:cNvPr id="2" name="Título 1"/>
+          <p:cNvSpPr>
+            <a:spLocks noGrp="1"/>
+          </p:cNvSpPr>
+          <p:nvPr>
+            <p:ph type="title"/>
+          </p:nvPr>
+        </p:nvSpPr>
+        <p:spPr>
+          <a:xfrm>
+            <a:off x="617621" y="2528575"/>
+            <a:ext cx="3833906" cy="868069"/>
+          </a:xfrm>
+        </p:spPr>
+        <p:txBody>
+          <a:bodyPr/>
+          <a:lstStyle/>
+          <a:p>
+            <a:r>
+              <a:rPr lang="pt-BR" dirty="0" smtClean="0"/>
+              <a:t>Referências</a:t>
+            </a:r>
+            <a:endParaRPr lang="pt-BR" dirty="0"/>
+          </a:p>
+        </p:txBody>
+      </p:sp>
+      <p:sp>
+        <p:nvSpPr>
+          <p:cNvPr id="3" name="Espaço Reservado para Conteúdo 2"/>
+          <p:cNvSpPr>
+            <a:spLocks noGrp="1"/>
+          </p:cNvSpPr>
+          <p:nvPr>
+            <p:ph idx="1"/>
+          </p:nvPr>
+        </p:nvSpPr>
+        <p:spPr>
+          <a:xfrm>
+            <a:off x="5197643" y="1964730"/>
+            <a:ext cx="6248398" cy="5655156"/>
+          </a:xfrm>
+        </p:spPr>
+        <p:txBody>
+          <a:bodyPr/>
+          <a:lstStyle/>
+          <a:p>
+            <a:r>
+              <a:rPr lang="pt-BR" dirty="0"/>
+              <a:t>ANTON, H. &amp; RORRES, C. </a:t>
+            </a:r>
+            <a:r>
+              <a:rPr lang="pt-BR" i="1" dirty="0"/>
+              <a:t>Álgebra Linear com </a:t>
+            </a:r>
+            <a:r>
+              <a:rPr lang="pt-BR" i="1" dirty="0" smtClean="0"/>
+              <a:t>aplicações</a:t>
+            </a:r>
+            <a:r>
+              <a:rPr lang="pt-BR" dirty="0" smtClean="0"/>
+              <a:t>, 2000. </a:t>
+            </a:r>
+            <a:r>
+              <a:rPr lang="pt-BR" dirty="0"/>
+              <a:t>Editor </a:t>
+            </a:r>
+            <a:r>
+              <a:rPr lang="pt-BR" dirty="0" err="1"/>
+              <a:t>Bookman</a:t>
+            </a:r>
+            <a:r>
+              <a:rPr lang="pt-BR" dirty="0" smtClean="0"/>
+              <a:t>.</a:t>
+            </a:r>
+          </a:p>
+          <a:p>
+            <a:r>
+              <a:rPr lang="pt-BR" dirty="0" smtClean="0"/>
+              <a:t>SANTOS</a:t>
+            </a:r>
+            <a:r>
+              <a:rPr lang="pt-BR" dirty="0"/>
+              <a:t>, Carlos Eduardo. </a:t>
+            </a:r>
+            <a:r>
+              <a:rPr lang="pt-BR" i="1" dirty="0"/>
+              <a:t>Método Húngaro e aplicações</a:t>
+            </a:r>
+            <a:r>
+              <a:rPr lang="pt-BR" dirty="0"/>
+              <a:t>. 2014. 55f. Dissertação (Mestrado em matemática) - Instituto de </a:t>
+            </a:r>
+            <a:r>
+              <a:rPr lang="pt-BR" dirty="0" smtClean="0"/>
+              <a:t>Matemática </a:t>
+            </a:r>
+            <a:r>
+              <a:rPr lang="pt-BR" dirty="0"/>
+              <a:t>Pura e Aplicada, Universidade Federal Rural de Pernambuco, Recife, 2014</a:t>
+            </a:r>
+            <a:r>
+              <a:rPr lang="pt-BR" dirty="0" smtClean="0"/>
+              <a:t>.</a:t>
+            </a:r>
+          </a:p>
+          <a:p>
+            <a:r>
+              <a:rPr lang="pt-BR" dirty="0" smtClean="0"/>
+              <a:t>GUIRADO, J</a:t>
+            </a:r>
+            <a:r>
+              <a:rPr lang="pt-BR" dirty="0" smtClean="0"/>
+              <a:t> C. ROCHA, M R</a:t>
+            </a:r>
+            <a:r>
+              <a:rPr lang="pt-BR" i="1" dirty="0" smtClean="0"/>
+              <a:t>. </a:t>
+            </a:r>
+            <a:r>
+              <a:rPr lang="pt-BR" i="1" dirty="0"/>
+              <a:t>O MÉTODO HÚNGARO PARA RESOLUÇÃO DE PROBLEMAS DE </a:t>
+            </a:r>
+            <a:r>
+              <a:rPr lang="pt-BR" i="1" dirty="0" smtClean="0"/>
+              <a:t>OTIMIZAÇÃO. </a:t>
+            </a:r>
+            <a:r>
+              <a:rPr lang="pt-BR" dirty="0" smtClean="0"/>
+              <a:t>2014</a:t>
+            </a:r>
+            <a:r>
+              <a:rPr lang="pt-BR" i="1" dirty="0" smtClean="0"/>
+              <a:t>.</a:t>
+            </a:r>
+            <a:r>
+              <a:rPr lang="pt-BR" dirty="0" smtClean="0"/>
+              <a:t> 8f. </a:t>
+            </a:r>
+            <a:r>
+              <a:rPr lang="pt-BR" i="1" dirty="0" smtClean="0"/>
+              <a:t> </a:t>
+            </a:r>
+            <a:endParaRPr lang="pt-BR" i="1" dirty="0" smtClean="0"/>
+          </a:p>
           <a:p>
             <a:pPr marL="0" indent="0">
               <a:buNone/>
@@ -4470,25 +6171,6 @@
             <a:endParaRPr lang="pt-BR" dirty="0" smtClean="0"/>
           </a:p>
           <a:p>
-            <a:pPr marL="282575" indent="-266700"/>
-            <a:r>
-              <a:rPr lang="pt-BR" dirty="0" smtClean="0"/>
-              <a:t>Custo </a:t>
-            </a:r>
-            <a:r>
-              <a:rPr lang="pt-BR" dirty="0" err="1" smtClean="0"/>
-              <a:t>x</a:t>
-            </a:r>
-            <a:r>
-              <a:rPr lang="pt-BR" dirty="0" smtClean="0"/>
-              <a:t> Benefício </a:t>
-            </a:r>
-          </a:p>
-          <a:p>
-            <a:r>
-              <a:rPr lang="pt-BR" dirty="0" smtClean="0"/>
-              <a:t>Como escolher? </a:t>
-            </a:r>
             <a:endParaRPr lang="pt-BR" dirty="0"/>
           </a:p>
         </p:txBody>
@@ -4496,7 +6178,7 @@
     </p:spTree>
     <p:extLst>
       <p:ext uri="{BB962C8B-B14F-4D97-AF65-F5344CB8AC3E}">
-        <p14:creationId xmlns:p14="http://schemas.microsoft.com/office/powerpoint/2010/main" val="1681692777"/>
+        <p14:creationId xmlns:p14="http://schemas.microsoft.com/office/powerpoint/2010/main" val="1564003050"/>
       </p:ext>
     </p:extLst>
   </p:cSld>
@@ -4542,8 +6224,8 @@
         </p:nvSpPr>
         <p:spPr>
           <a:xfrm>
-            <a:off x="1259173" y="2665727"/>
-            <a:ext cx="2872037" cy="1451805"/>
+            <a:off x="1043027" y="2564216"/>
+            <a:ext cx="3111879" cy="1334123"/>
           </a:xfrm>
         </p:spPr>
         <p:txBody>
@@ -4552,14 +6234,10 @@
           </a:bodyPr>
           <a:lstStyle/>
           <a:p>
-            <a:pPr marL="15875" algn="l"/>
-            <a:r>
-              <a:rPr lang="pt-BR" dirty="0" smtClean="0"/>
-              <a:t>M</a:t>
-            </a:r>
-            <a:r>
-              <a:rPr lang="pt-BR" dirty="0" smtClean="0"/>
-              <a:t>étodo Húngaro </a:t>
+            <a:pPr algn="l"/>
+            <a:r>
+              <a:rPr lang="pt-BR" dirty="0" smtClean="0"/>
+              <a:t>Tomada de decisões</a:t>
             </a:r>
             <a:endParaRPr lang="pt-BR" dirty="0"/>
           </a:p>
@@ -4577,30 +6255,38 @@
         </p:nvSpPr>
         <p:spPr>
           <a:xfrm>
-            <a:off x="4985676" y="2746772"/>
-            <a:ext cx="6248398" cy="1289714"/>
-          </a:xfrm>
-        </p:spPr>
-        <p:txBody>
-          <a:bodyPr>
-            <a:normAutofit/>
-          </a:bodyPr>
-          <a:lstStyle/>
-          <a:p>
-            <a:pPr marL="285750" indent="-285750"/>
-            <a:r>
-              <a:rPr lang="pt-BR" dirty="0" smtClean="0"/>
-              <a:t>Algoritmo de otimizaç</a:t>
-            </a:r>
-            <a:r>
-              <a:rPr lang="pt-BR" dirty="0" smtClean="0"/>
-              <a:t>ão</a:t>
-            </a:r>
-          </a:p>
-          <a:p>
-            <a:r>
-              <a:rPr lang="pt-BR" dirty="0" smtClean="0"/>
-              <a:t>Encontrar melhor distribuição com menor custo</a:t>
+            <a:off x="4940970" y="2284739"/>
+            <a:ext cx="3128210" cy="1613600"/>
+          </a:xfrm>
+        </p:spPr>
+        <p:txBody>
+          <a:bodyPr/>
+          <a:lstStyle/>
+          <a:p>
+            <a:pPr marL="0" indent="0">
+              <a:buNone/>
+            </a:pPr>
+            <a:endParaRPr lang="pt-BR" dirty="0" smtClean="0"/>
+          </a:p>
+          <a:p>
+            <a:pPr marL="282575" indent="-266700"/>
+            <a:r>
+              <a:rPr lang="pt-BR" dirty="0" smtClean="0"/>
+              <a:t>Custo </a:t>
+            </a:r>
+            <a:r>
+              <a:rPr lang="pt-BR" dirty="0" err="1" smtClean="0"/>
+              <a:t>x</a:t>
+            </a:r>
+            <a:r>
+              <a:rPr lang="pt-BR" dirty="0" smtClean="0"/>
+              <a:t> Benefício </a:t>
+            </a:r>
+          </a:p>
+          <a:p>
+            <a:r>
+              <a:rPr lang="pt-BR" dirty="0" smtClean="0"/>
+              <a:t>Como escolher? </a:t>
             </a:r>
             <a:endParaRPr lang="pt-BR" dirty="0"/>
           </a:p>
@@ -4609,7 +6295,7 @@
     </p:spTree>
     <p:extLst>
       <p:ext uri="{BB962C8B-B14F-4D97-AF65-F5344CB8AC3E}">
-        <p14:creationId xmlns:p14="http://schemas.microsoft.com/office/powerpoint/2010/main" val="1957747793"/>
+        <p14:creationId xmlns:p14="http://schemas.microsoft.com/office/powerpoint/2010/main" val="1681692777"/>
       </p:ext>
     </p:extLst>
   </p:cSld>
@@ -4655,8 +6341,39 @@
         </p:nvSpPr>
         <p:spPr>
           <a:xfrm>
-            <a:off x="1049706" y="2053525"/>
-            <a:ext cx="3833906" cy="2333424"/>
+            <a:off x="1259173" y="2665727"/>
+            <a:ext cx="2872037" cy="1451805"/>
+          </a:xfrm>
+        </p:spPr>
+        <p:txBody>
+          <a:bodyPr>
+            <a:normAutofit fontScale="90000"/>
+          </a:bodyPr>
+          <a:lstStyle/>
+          <a:p>
+            <a:pPr marL="15875" algn="l"/>
+            <a:r>
+              <a:rPr lang="pt-BR" dirty="0" smtClean="0"/>
+              <a:t>Método Húngaro </a:t>
+            </a:r>
+            <a:endParaRPr lang="pt-BR" dirty="0"/>
+          </a:p>
+        </p:txBody>
+      </p:sp>
+      <p:sp>
+        <p:nvSpPr>
+          <p:cNvPr id="3" name="Espaço Reservado para Conteúdo 2"/>
+          <p:cNvSpPr>
+            <a:spLocks noGrp="1"/>
+          </p:cNvSpPr>
+          <p:nvPr>
+            <p:ph idx="1"/>
+          </p:nvPr>
+        </p:nvSpPr>
+        <p:spPr>
+          <a:xfrm>
+            <a:off x="4985676" y="2746772"/>
+            <a:ext cx="6248398" cy="1289714"/>
           </a:xfrm>
         </p:spPr>
         <p:txBody>
@@ -4665,63 +6382,17 @@
           </a:bodyPr>
           <a:lstStyle/>
           <a:p>
-            <a:pPr marL="15875" indent="-15875" algn="l"/>
-            <a:r>
-              <a:rPr lang="pt-BR" dirty="0" smtClean="0"/>
-              <a:t>Pr</a:t>
-            </a:r>
-            <a:r>
-              <a:rPr lang="pt-BR" dirty="0" smtClean="0"/>
-              <a:t>é</a:t>
-            </a:r>
-            <a:r>
-              <a:rPr lang="pt-BR" dirty="0" smtClean="0"/>
-              <a:t>-requisitos de aplica</a:t>
-            </a:r>
-            <a:r>
-              <a:rPr lang="pt-BR" dirty="0" smtClean="0"/>
-              <a:t>ção</a:t>
-            </a:r>
-            <a:endParaRPr lang="pt-BR" dirty="0"/>
-          </a:p>
-        </p:txBody>
-      </p:sp>
-      <p:sp>
-        <p:nvSpPr>
-          <p:cNvPr id="3" name="Espaço Reservado para Conteúdo 2"/>
-          <p:cNvSpPr>
-            <a:spLocks noGrp="1"/>
-          </p:cNvSpPr>
-          <p:nvPr>
-            <p:ph idx="1"/>
-          </p:nvPr>
-        </p:nvSpPr>
-        <p:spPr>
-          <a:xfrm>
-            <a:off x="5172370" y="2686622"/>
-            <a:ext cx="2791326" cy="1067229"/>
-          </a:xfrm>
-        </p:spPr>
-        <p:txBody>
-          <a:bodyPr/>
-          <a:lstStyle/>
-          <a:p>
-            <a:r>
-              <a:rPr lang="pt-BR" dirty="0" smtClean="0"/>
-              <a:t>Matriz Quadrada</a:t>
-            </a:r>
-          </a:p>
-          <a:p>
-            <a:r>
-              <a:rPr lang="pt-BR" dirty="0" smtClean="0"/>
-              <a:t>N</a:t>
-            </a:r>
-            <a:r>
-              <a:rPr lang="pt-BR" dirty="0" smtClean="0"/>
-              <a:t>úmeros inteiros</a:t>
-            </a:r>
-          </a:p>
-          <a:p>
+            <a:pPr marL="285750" indent="-285750"/>
+            <a:r>
+              <a:rPr lang="pt-BR" dirty="0" smtClean="0"/>
+              <a:t>Algoritmo de otimização</a:t>
+            </a:r>
+          </a:p>
+          <a:p>
+            <a:r>
+              <a:rPr lang="pt-BR" dirty="0" smtClean="0"/>
+              <a:t>Encontrar melhor distribuição com menor custo</a:t>
+            </a:r>
             <a:endParaRPr lang="pt-BR" dirty="0"/>
           </a:p>
         </p:txBody>
@@ -4729,7 +6400,7 @@
     </p:spTree>
     <p:extLst>
       <p:ext uri="{BB962C8B-B14F-4D97-AF65-F5344CB8AC3E}">
-        <p14:creationId xmlns:p14="http://schemas.microsoft.com/office/powerpoint/2010/main" val="524688209"/>
+        <p14:creationId xmlns:p14="http://schemas.microsoft.com/office/powerpoint/2010/main" val="1957747793"/>
       </p:ext>
     </p:extLst>
   </p:cSld>
@@ -4775,83 +6446,68 @@
         </p:nvSpPr>
         <p:spPr>
           <a:xfrm>
-            <a:off x="762000" y="2244099"/>
-            <a:ext cx="3833906" cy="1830596"/>
+            <a:off x="1049706" y="2053525"/>
+            <a:ext cx="3833906" cy="2333424"/>
+          </a:xfrm>
+        </p:spPr>
+        <p:txBody>
+          <a:bodyPr>
+            <a:normAutofit fontScale="90000"/>
+          </a:bodyPr>
+          <a:lstStyle/>
+          <a:p>
+            <a:pPr marL="15875" indent="-15875" algn="l"/>
+            <a:r>
+              <a:rPr lang="pt-BR" dirty="0" smtClean="0"/>
+              <a:t>Pré-requisitos de </a:t>
+            </a:r>
+            <a:r>
+              <a:rPr lang="pt-BR" dirty="0" smtClean="0"/>
+              <a:t>aplicação</a:t>
+            </a:r>
+            <a:br>
+              <a:rPr lang="pt-BR" dirty="0" smtClean="0"/>
+            </a:br>
+            <a:r>
+              <a:rPr lang="pt-BR" baseline="-25000" dirty="0" smtClean="0"/>
+              <a:t>Éden</a:t>
+            </a:r>
+            <a:endParaRPr lang="pt-BR" baseline="-25000" dirty="0"/>
+          </a:p>
+        </p:txBody>
+      </p:sp>
+      <p:sp>
+        <p:nvSpPr>
+          <p:cNvPr id="3" name="Espaço Reservado para Conteúdo 2"/>
+          <p:cNvSpPr>
+            <a:spLocks noGrp="1"/>
+          </p:cNvSpPr>
+          <p:nvPr>
+            <p:ph idx="1"/>
+          </p:nvPr>
+        </p:nvSpPr>
+        <p:spPr>
+          <a:xfrm>
+            <a:off x="5172370" y="2686622"/>
+            <a:ext cx="2791326" cy="1067229"/>
           </a:xfrm>
         </p:spPr>
         <p:txBody>
           <a:bodyPr/>
           <a:lstStyle/>
           <a:p>
-            <a:pPr algn="l"/>
-            <a:r>
-              <a:rPr lang="pt-BR" dirty="0" smtClean="0"/>
-              <a:t>Para uma Matriz </a:t>
-            </a:r>
-            <a:r>
-              <a:rPr lang="pt-BR" dirty="0" err="1" smtClean="0"/>
-              <a:t>C</a:t>
-            </a:r>
-            <a:r>
-              <a:rPr lang="pt-BR" baseline="-25000" dirty="0" err="1" smtClean="0"/>
-              <a:t>nxn</a:t>
-            </a:r>
-            <a:endParaRPr lang="pt-BR" baseline="-25000" dirty="0"/>
-          </a:p>
-        </p:txBody>
-      </p:sp>
-      <p:sp>
-        <p:nvSpPr>
-          <p:cNvPr id="3" name="Espaço Reservado para Conteúdo 2"/>
-          <p:cNvSpPr>
-            <a:spLocks noGrp="1"/>
-          </p:cNvSpPr>
-          <p:nvPr>
-            <p:ph idx="1"/>
-          </p:nvPr>
-        </p:nvSpPr>
-        <p:spPr>
-          <a:xfrm>
-            <a:off x="5181600" y="2244099"/>
-            <a:ext cx="6248398" cy="5655156"/>
-          </a:xfrm>
-        </p:spPr>
-        <p:txBody>
-          <a:bodyPr/>
-          <a:lstStyle/>
-          <a:p>
-            <a:r>
-              <a:rPr lang="pt-BR" dirty="0" smtClean="0"/>
-              <a:t>Subtraia a menor entrada da linha de todos os elementos da linha</a:t>
-            </a:r>
-          </a:p>
-          <a:p>
-            <a:r>
-              <a:rPr lang="pt-BR" dirty="0" smtClean="0"/>
-              <a:t>Subtraia a menor entrada da coluna de todos os elementos da coluna</a:t>
-            </a:r>
-          </a:p>
-          <a:p>
-            <a:r>
-              <a:rPr lang="pt-BR" dirty="0" smtClean="0"/>
-              <a:t>Risque um traço ao longo de linhas e colunas de modo que todas as entradas zero s</a:t>
-            </a:r>
-            <a:r>
-              <a:rPr lang="pt-BR" dirty="0" smtClean="0"/>
-              <a:t>ão riscadas. Faça isso com o menor números de traços possível</a:t>
-            </a:r>
-            <a:endParaRPr lang="pt-BR" dirty="0" smtClean="0"/>
-          </a:p>
-          <a:p>
-            <a:pPr marL="0" lvl="1" indent="0">
-              <a:buNone/>
-            </a:pPr>
-            <a:endParaRPr lang="pt-BR" dirty="0" smtClean="0"/>
-          </a:p>
-          <a:p>
-            <a:pPr marL="0" lvl="1" indent="0">
-              <a:buNone/>
-            </a:pPr>
+            <a:r>
+              <a:rPr lang="pt-BR" dirty="0" smtClean="0"/>
+              <a:t>Matriz Quadrada</a:t>
+            </a:r>
+          </a:p>
+          <a:p>
+            <a:r>
+              <a:rPr lang="pt-BR" dirty="0" smtClean="0"/>
+              <a:t>Números inteiros</a:t>
+            </a:r>
+          </a:p>
+          <a:p>
             <a:endParaRPr lang="pt-BR" dirty="0"/>
           </a:p>
         </p:txBody>
@@ -4859,7 +6515,7 @@
     </p:spTree>
     <p:extLst>
       <p:ext uri="{BB962C8B-B14F-4D97-AF65-F5344CB8AC3E}">
-        <p14:creationId xmlns:p14="http://schemas.microsoft.com/office/powerpoint/2010/main" val="1751378130"/>
+        <p14:creationId xmlns:p14="http://schemas.microsoft.com/office/powerpoint/2010/main" val="524688209"/>
       </p:ext>
     </p:extLst>
   </p:cSld>
@@ -4905,8 +6561,8 @@
         </p:nvSpPr>
         <p:spPr>
           <a:xfrm>
-            <a:off x="826168" y="2532857"/>
-            <a:ext cx="4050632" cy="4952492"/>
+            <a:off x="762000" y="2244099"/>
+            <a:ext cx="3833906" cy="1830596"/>
           </a:xfrm>
         </p:spPr>
         <p:txBody>
@@ -4916,13 +6572,17 @@
             <a:pPr algn="l"/>
             <a:r>
               <a:rPr lang="pt-BR" dirty="0" smtClean="0"/>
-              <a:t>Teste de </a:t>
+              <a:t>Para uma Matriz </a:t>
             </a:r>
             <a:r>
               <a:rPr lang="pt-BR" dirty="0" err="1" smtClean="0"/>
-              <a:t>Otimalidade</a:t>
-            </a:r>
-            <a:endParaRPr lang="pt-BR" dirty="0"/>
+              <a:t>C</a:t>
+            </a:r>
+            <a:r>
+              <a:rPr lang="pt-BR" baseline="-25000" dirty="0" err="1" smtClean="0"/>
+              <a:t>nxn</a:t>
+            </a:r>
+            <a:endParaRPr lang="pt-BR" baseline="-25000" dirty="0"/>
           </a:p>
         </p:txBody>
       </p:sp>
@@ -4938,38 +6598,41 @@
         </p:nvSpPr>
         <p:spPr>
           <a:xfrm>
-            <a:off x="5181600" y="2157235"/>
-            <a:ext cx="6248398" cy="2158092"/>
-          </a:xfrm>
-        </p:spPr>
-        <p:txBody>
-          <a:bodyPr>
-            <a:normAutofit lnSpcReduction="10000"/>
-          </a:bodyPr>
-          <a:lstStyle/>
-          <a:p>
-            <a:r>
-              <a:rPr lang="pt-BR" dirty="0" smtClean="0"/>
-              <a:t>Caso o n</a:t>
-            </a:r>
-            <a:r>
-              <a:rPr lang="pt-BR" dirty="0" smtClean="0"/>
-              <a:t>úmero de traços seja </a:t>
-            </a:r>
-            <a:r>
-              <a:rPr lang="pt-BR" dirty="0" err="1" smtClean="0"/>
-              <a:t>n</a:t>
-            </a:r>
-            <a:r>
-              <a:rPr lang="pt-BR" dirty="0" smtClean="0"/>
-              <a:t>, o método é encerrado e se tem o arranjo ótimo </a:t>
-            </a:r>
-          </a:p>
-          <a:p>
-            <a:r>
-              <a:rPr lang="pt-BR" dirty="0" smtClean="0"/>
-              <a:t>Caso não, deve-se encontrar o menor valor não riscado e subtraí-lo dos outros valores não riscados, soma-los a entradas que foram riscadas tanto horizontal quanto verticalmente e procurar um novo arranjo de traços</a:t>
-            </a:r>
+            <a:off x="5181600" y="2244099"/>
+            <a:ext cx="6248398" cy="5655156"/>
+          </a:xfrm>
+        </p:spPr>
+        <p:txBody>
+          <a:bodyPr/>
+          <a:lstStyle/>
+          <a:p>
+            <a:r>
+              <a:rPr lang="pt-BR" dirty="0" smtClean="0"/>
+              <a:t>Subtraia a menor entrada da linha de todos os elementos da linha</a:t>
+            </a:r>
+          </a:p>
+          <a:p>
+            <a:r>
+              <a:rPr lang="pt-BR" dirty="0" smtClean="0"/>
+              <a:t>Subtraia a menor entrada da coluna de todos os elementos da coluna</a:t>
+            </a:r>
+          </a:p>
+          <a:p>
+            <a:r>
+              <a:rPr lang="pt-BR" dirty="0" smtClean="0"/>
+              <a:t>Risque um traço ao longo de linhas e colunas de modo que todas as entradas zero são riscadas. Faça isso com o menor números de traços possível</a:t>
+            </a:r>
+          </a:p>
+          <a:p>
+            <a:pPr marL="0" lvl="1" indent="0">
+              <a:buNone/>
+            </a:pPr>
+            <a:endParaRPr lang="pt-BR" dirty="0" smtClean="0"/>
+          </a:p>
+          <a:p>
+            <a:pPr marL="0" lvl="1" indent="0">
+              <a:buNone/>
+            </a:pPr>
             <a:endParaRPr lang="pt-BR" dirty="0"/>
           </a:p>
         </p:txBody>
@@ -4977,7 +6640,7 @@
     </p:spTree>
     <p:extLst>
       <p:ext uri="{BB962C8B-B14F-4D97-AF65-F5344CB8AC3E}">
-        <p14:creationId xmlns:p14="http://schemas.microsoft.com/office/powerpoint/2010/main" val="1119399015"/>
+        <p14:creationId xmlns:p14="http://schemas.microsoft.com/office/powerpoint/2010/main" val="1751378130"/>
       </p:ext>
     </p:extLst>
   </p:cSld>
@@ -5023,21 +6686,22 @@
         </p:nvSpPr>
         <p:spPr>
           <a:xfrm>
-            <a:off x="617621" y="2528575"/>
-            <a:ext cx="3833906" cy="868069"/>
+            <a:off x="826168" y="2532857"/>
+            <a:ext cx="4050632" cy="4952492"/>
           </a:xfrm>
         </p:spPr>
         <p:txBody>
           <a:bodyPr/>
           <a:lstStyle/>
           <a:p>
-            <a:r>
-              <a:rPr lang="pt-BR" dirty="0" smtClean="0"/>
-              <a:t>Refer</a:t>
-            </a:r>
-            <a:r>
-              <a:rPr lang="pt-BR" dirty="0" smtClean="0"/>
-              <a:t>ências</a:t>
+            <a:pPr algn="l"/>
+            <a:r>
+              <a:rPr lang="pt-BR" dirty="0" smtClean="0"/>
+              <a:t>Teste de </a:t>
+            </a:r>
+            <a:r>
+              <a:rPr lang="pt-BR" dirty="0" err="1" smtClean="0"/>
+              <a:t>Otimalidade</a:t>
             </a:r>
             <a:endParaRPr lang="pt-BR" dirty="0"/>
           </a:p>
@@ -5055,74 +6719,34 @@
         </p:nvSpPr>
         <p:spPr>
           <a:xfrm>
-            <a:off x="5197643" y="1964730"/>
-            <a:ext cx="6248398" cy="5655156"/>
-          </a:xfrm>
-        </p:spPr>
-        <p:txBody>
-          <a:bodyPr/>
-          <a:lstStyle/>
-          <a:p>
-            <a:r>
-              <a:rPr lang="pt-BR" dirty="0"/>
-              <a:t>ANTON, H. &amp; RORRES, C. </a:t>
-            </a:r>
-            <a:r>
-              <a:rPr lang="pt-BR" i="1" dirty="0"/>
-              <a:t>Álgebra Linear com </a:t>
-            </a:r>
-            <a:r>
-              <a:rPr lang="pt-BR" i="1" dirty="0" smtClean="0"/>
-              <a:t>aplicações</a:t>
-            </a:r>
-            <a:r>
-              <a:rPr lang="pt-BR" dirty="0" smtClean="0"/>
-              <a:t>, 2000. </a:t>
-            </a:r>
-            <a:r>
-              <a:rPr lang="pt-BR" dirty="0"/>
-              <a:t>Editor </a:t>
-            </a:r>
-            <a:r>
-              <a:rPr lang="pt-BR" dirty="0" err="1"/>
-              <a:t>Bookman</a:t>
-            </a:r>
-            <a:r>
-              <a:rPr lang="pt-BR" dirty="0" smtClean="0"/>
-              <a:t>.</a:t>
-            </a:r>
-          </a:p>
-          <a:p>
-            <a:r>
-              <a:rPr lang="pt-BR" smtClean="0"/>
-              <a:t>SANTOS</a:t>
-            </a:r>
-            <a:r>
-              <a:rPr lang="pt-BR" dirty="0"/>
-              <a:t>, Carlos Eduardo. </a:t>
-            </a:r>
-            <a:r>
-              <a:rPr lang="pt-BR" i="1" dirty="0"/>
-              <a:t>Método Húngaro e aplicações</a:t>
-            </a:r>
-            <a:r>
-              <a:rPr lang="pt-BR" dirty="0"/>
-              <a:t>. 2014. 55f. Dissertação (Mestrado em matemática) - Instituto de </a:t>
-            </a:r>
-            <a:r>
-              <a:rPr lang="pt-BR" dirty="0" smtClean="0"/>
-              <a:t>Matemática </a:t>
-            </a:r>
-            <a:r>
-              <a:rPr lang="pt-BR" dirty="0"/>
-              <a:t>Pura e Aplicada, Universidade Federal Rural de Pernambuco, Recife, 2014.</a:t>
-            </a:r>
-            <a:endParaRPr lang="pt-BR" dirty="0" smtClean="0"/>
-          </a:p>
-          <a:p>
-            <a:endParaRPr lang="pt-BR" dirty="0" smtClean="0"/>
-          </a:p>
-          <a:p>
+            <a:off x="5181600" y="2157235"/>
+            <a:ext cx="6248398" cy="2158092"/>
+          </a:xfrm>
+        </p:spPr>
+        <p:txBody>
+          <a:bodyPr>
+            <a:normAutofit lnSpcReduction="10000"/>
+          </a:bodyPr>
+          <a:lstStyle/>
+          <a:p>
+            <a:r>
+              <a:rPr lang="pt-BR" dirty="0" smtClean="0"/>
+              <a:t>Caso o número de traços seja </a:t>
+            </a:r>
+            <a:r>
+              <a:rPr lang="pt-BR" dirty="0" err="1" smtClean="0"/>
+              <a:t>n</a:t>
+            </a:r>
+            <a:r>
+              <a:rPr lang="pt-BR" dirty="0" smtClean="0"/>
+              <a:t>, o método é encerrado e se tem o arranjo ótimo </a:t>
+            </a:r>
+          </a:p>
+          <a:p>
+            <a:r>
+              <a:rPr lang="pt-BR" dirty="0" smtClean="0"/>
+              <a:t>Caso não, deve-se encontrar o menor valor não riscado e subtraí-lo dos outros valores não riscados, soma-los a entradas que foram riscadas tanto horizontal quanto verticalmente e procurar um novo arranjo de traços</a:t>
+            </a:r>
             <a:endParaRPr lang="pt-BR" dirty="0"/>
           </a:p>
         </p:txBody>
@@ -5130,7 +6754,236 @@
     </p:spTree>
     <p:extLst>
       <p:ext uri="{BB962C8B-B14F-4D97-AF65-F5344CB8AC3E}">
-        <p14:creationId xmlns:p14="http://schemas.microsoft.com/office/powerpoint/2010/main" val="1564003050"/>
+        <p14:creationId xmlns:p14="http://schemas.microsoft.com/office/powerpoint/2010/main" val="1119399015"/>
+      </p:ext>
+    </p:extLst>
+  </p:cSld>
+  <p:clrMapOvr>
+    <a:masterClrMapping/>
+  </p:clrMapOvr>
+  <p:timing>
+    <p:tnLst>
+      <p:par>
+        <p:cTn id="1" dur="indefinite" restart="never" nodeType="tmRoot"/>
+      </p:par>
+    </p:tnLst>
+  </p:timing>
+</p:sld>
+</file>
+
+<file path=ppt/slides/slide8.xml><?xml version="1.0" encoding="utf-8"?>
+<p:sld xmlns:a="http://schemas.openxmlformats.org/drawingml/2006/main" xmlns:r="http://schemas.openxmlformats.org/officeDocument/2006/relationships" xmlns:p="http://schemas.openxmlformats.org/presentationml/2006/main">
+  <p:cSld>
+    <p:spTree>
+      <p:nvGrpSpPr>
+        <p:cNvPr id="1" name=""/>
+        <p:cNvGrpSpPr/>
+        <p:nvPr/>
+      </p:nvGrpSpPr>
+      <p:grpSpPr>
+        <a:xfrm>
+          <a:off x="0" y="0"/>
+          <a:ext cx="0" cy="0"/>
+          <a:chOff x="0" y="0"/>
+          <a:chExt cx="0" cy="0"/>
+        </a:xfrm>
+      </p:grpSpPr>
+      <p:sp>
+        <p:nvSpPr>
+          <p:cNvPr id="2" name="Título 1"/>
+          <p:cNvSpPr>
+            <a:spLocks noGrp="1"/>
+          </p:cNvSpPr>
+          <p:nvPr>
+            <p:ph type="title"/>
+          </p:nvPr>
+        </p:nvSpPr>
+        <p:spPr>
+          <a:xfrm>
+            <a:off x="697832" y="2597025"/>
+            <a:ext cx="3833906" cy="4952492"/>
+          </a:xfrm>
+        </p:spPr>
+        <p:txBody>
+          <a:bodyPr/>
+          <a:lstStyle/>
+          <a:p>
+            <a:pPr algn="l"/>
+            <a:r>
+              <a:rPr lang="pt-BR" dirty="0" smtClean="0"/>
+              <a:t>Passo a passo</a:t>
+            </a:r>
+            <a:br>
+              <a:rPr lang="pt-BR" dirty="0" smtClean="0"/>
+            </a:br>
+            <a:r>
+              <a:rPr lang="pt-BR" baseline="-25000" dirty="0" smtClean="0"/>
+              <a:t>Lucas</a:t>
+            </a:r>
+            <a:endParaRPr lang="pt-BR" baseline="-25000" dirty="0"/>
+          </a:p>
+        </p:txBody>
+      </p:sp>
+      <p:pic>
+        <p:nvPicPr>
+          <p:cNvPr id="4" name="Espaço Reservado para Conteúdo 3"/>
+          <p:cNvPicPr>
+            <a:picLocks noGrp="1" noChangeAspect="1"/>
+          </p:cNvPicPr>
+          <p:nvPr>
+            <p:ph idx="1"/>
+          </p:nvPr>
+        </p:nvPicPr>
+        <p:blipFill>
+          <a:blip r:embed="rId2"/>
+          <a:stretch>
+            <a:fillRect/>
+          </a:stretch>
+        </p:blipFill>
+        <p:spPr>
+          <a:xfrm>
+            <a:off x="6441811" y="768224"/>
+            <a:ext cx="2489200" cy="1117600"/>
+          </a:xfrm>
+          <a:prstGeom prst="rect">
+            <a:avLst/>
+          </a:prstGeom>
+        </p:spPr>
+      </p:pic>
+    </p:spTree>
+    <p:extLst>
+      <p:ext uri="{BB962C8B-B14F-4D97-AF65-F5344CB8AC3E}">
+        <p14:creationId xmlns:p14="http://schemas.microsoft.com/office/powerpoint/2010/main" val="1789376348"/>
+      </p:ext>
+    </p:extLst>
+  </p:cSld>
+  <p:clrMapOvr>
+    <a:masterClrMapping/>
+  </p:clrMapOvr>
+  <p:timing>
+    <p:tnLst>
+      <p:par>
+        <p:cTn id="1" dur="indefinite" restart="never" nodeType="tmRoot"/>
+      </p:par>
+    </p:tnLst>
+  </p:timing>
+</p:sld>
+</file>
+
+<file path=ppt/slides/slide9.xml><?xml version="1.0" encoding="utf-8"?>
+<p:sld xmlns:a="http://schemas.openxmlformats.org/drawingml/2006/main" xmlns:r="http://schemas.openxmlformats.org/officeDocument/2006/relationships" xmlns:p="http://schemas.openxmlformats.org/presentationml/2006/main">
+  <p:cSld>
+    <p:spTree>
+      <p:nvGrpSpPr>
+        <p:cNvPr id="1" name=""/>
+        <p:cNvGrpSpPr/>
+        <p:nvPr/>
+      </p:nvGrpSpPr>
+      <p:grpSpPr>
+        <a:xfrm>
+          <a:off x="0" y="0"/>
+          <a:ext cx="0" cy="0"/>
+          <a:chOff x="0" y="0"/>
+          <a:chExt cx="0" cy="0"/>
+        </a:xfrm>
+      </p:grpSpPr>
+      <p:sp>
+        <p:nvSpPr>
+          <p:cNvPr id="2" name="Título 1"/>
+          <p:cNvSpPr>
+            <a:spLocks noGrp="1"/>
+          </p:cNvSpPr>
+          <p:nvPr>
+            <p:ph type="title"/>
+          </p:nvPr>
+        </p:nvSpPr>
+        <p:spPr>
+          <a:xfrm>
+            <a:off x="697832" y="2597025"/>
+            <a:ext cx="3833906" cy="4952492"/>
+          </a:xfrm>
+        </p:spPr>
+        <p:txBody>
+          <a:bodyPr/>
+          <a:lstStyle/>
+          <a:p>
+            <a:pPr algn="l"/>
+            <a:r>
+              <a:rPr lang="pt-BR" dirty="0" smtClean="0"/>
+              <a:t>Passo </a:t>
+            </a:r>
+            <a:r>
+              <a:rPr lang="pt-BR" smtClean="0"/>
+              <a:t>a passo</a:t>
+            </a:r>
+            <a:endParaRPr lang="pt-BR"/>
+          </a:p>
+        </p:txBody>
+      </p:sp>
+      <p:pic>
+        <p:nvPicPr>
+          <p:cNvPr id="4" name="Espaço Reservado para Conteúdo 3"/>
+          <p:cNvPicPr>
+            <a:picLocks noGrp="1" noChangeAspect="1"/>
+          </p:cNvPicPr>
+          <p:nvPr>
+            <p:ph idx="1"/>
+          </p:nvPr>
+        </p:nvPicPr>
+        <p:blipFill>
+          <a:blip r:embed="rId2"/>
+          <a:stretch>
+            <a:fillRect/>
+          </a:stretch>
+        </p:blipFill>
+        <p:spPr>
+          <a:xfrm>
+            <a:off x="6441811" y="768224"/>
+            <a:ext cx="2489200" cy="1117600"/>
+          </a:xfrm>
+          <a:prstGeom prst="rect">
+            <a:avLst/>
+          </a:prstGeom>
+        </p:spPr>
+      </p:pic>
+      <p:sp>
+        <p:nvSpPr>
+          <p:cNvPr id="5" name="CaixaDeTexto 4"/>
+          <p:cNvSpPr txBox="1"/>
+          <p:nvPr/>
+        </p:nvSpPr>
+        <p:spPr>
+          <a:xfrm>
+            <a:off x="3580063" y="2227693"/>
+            <a:ext cx="8212697" cy="369332"/>
+          </a:xfrm>
+          <a:prstGeom prst="rect">
+            <a:avLst/>
+          </a:prstGeom>
+          <a:noFill/>
+        </p:spPr>
+        <p:txBody>
+          <a:bodyPr wrap="none" rtlCol="0">
+            <a:spAutoFit/>
+          </a:bodyPr>
+          <a:lstStyle/>
+          <a:p>
+            <a:r>
+              <a:rPr lang="pt-BR" dirty="0"/>
+              <a:t>Passo 1: Subtraímos 75 da primeira linha, 35 da segunda, 90 da terceira, 45 da </a:t>
+            </a:r>
+            <a:r>
+              <a:rPr lang="pt-BR" dirty="0" smtClean="0"/>
+              <a:t>quarta:</a:t>
+            </a:r>
+            <a:endParaRPr lang="pt-BR" dirty="0"/>
+          </a:p>
+        </p:txBody>
+      </p:sp>
+    </p:spTree>
+    <p:extLst>
+      <p:ext uri="{BB962C8B-B14F-4D97-AF65-F5344CB8AC3E}">
+        <p14:creationId xmlns:p14="http://schemas.microsoft.com/office/powerpoint/2010/main" val="1722060049"/>
       </p:ext>
     </p:extLst>
   </p:cSld>
